--- a/Docs/Final Presentation.pptx
+++ b/Docs/Final Presentation.pptx
@@ -115,6 +115,11 @@
       </a:defRPr>
     </a:lvl9pPr>
   </p:defaultTextStyle>
+  <p:extLst>
+    <p:ext uri="{EFAFB233-063F-42B5-8137-9DF3F51BA10A}">
+      <p15:sldGuideLst xmlns:p15="http://schemas.microsoft.com/office/powerpoint/2012/main"/>
+    </p:ext>
+  </p:extLst>
 </p:presentation>
 </file>
 
@@ -342,7 +347,7 @@
           <a:p>
             <a:fld id="{1FB4488D-424D-49BD-B917-570ECD046536}" type="datetimeFigureOut">
               <a:rPr lang="en-IE" smtClean="0"/>
-              <a:t>01/05/2021</a:t>
+              <a:t>04/05/2021</a:t>
             </a:fld>
             <a:endParaRPr lang="en-IE" dirty="0"/>
           </a:p>
@@ -512,7 +517,7 @@
           <a:p>
             <a:fld id="{1FB4488D-424D-49BD-B917-570ECD046536}" type="datetimeFigureOut">
               <a:rPr lang="en-IE" smtClean="0"/>
-              <a:t>01/05/2021</a:t>
+              <a:t>04/05/2021</a:t>
             </a:fld>
             <a:endParaRPr lang="en-IE" dirty="0"/>
           </a:p>
@@ -692,7 +697,7 @@
           <a:p>
             <a:fld id="{1FB4488D-424D-49BD-B917-570ECD046536}" type="datetimeFigureOut">
               <a:rPr lang="en-IE" smtClean="0"/>
-              <a:t>01/05/2021</a:t>
+              <a:t>04/05/2021</a:t>
             </a:fld>
             <a:endParaRPr lang="en-IE" dirty="0"/>
           </a:p>
@@ -862,7 +867,7 @@
           <a:p>
             <a:fld id="{1FB4488D-424D-49BD-B917-570ECD046536}" type="datetimeFigureOut">
               <a:rPr lang="en-IE" smtClean="0"/>
-              <a:t>01/05/2021</a:t>
+              <a:t>04/05/2021</a:t>
             </a:fld>
             <a:endParaRPr lang="en-IE" dirty="0"/>
           </a:p>
@@ -1116,7 +1121,7 @@
           <a:p>
             <a:fld id="{1FB4488D-424D-49BD-B917-570ECD046536}" type="datetimeFigureOut">
               <a:rPr lang="en-IE" smtClean="0"/>
-              <a:t>01/05/2021</a:t>
+              <a:t>04/05/2021</a:t>
             </a:fld>
             <a:endParaRPr lang="en-IE" dirty="0"/>
           </a:p>
@@ -1404,7 +1409,7 @@
           <a:p>
             <a:fld id="{1FB4488D-424D-49BD-B917-570ECD046536}" type="datetimeFigureOut">
               <a:rPr lang="en-IE" smtClean="0"/>
-              <a:t>01/05/2021</a:t>
+              <a:t>04/05/2021</a:t>
             </a:fld>
             <a:endParaRPr lang="en-IE" dirty="0"/>
           </a:p>
@@ -1846,7 +1851,7 @@
           <a:p>
             <a:fld id="{1FB4488D-424D-49BD-B917-570ECD046536}" type="datetimeFigureOut">
               <a:rPr lang="en-IE" smtClean="0"/>
-              <a:t>01/05/2021</a:t>
+              <a:t>04/05/2021</a:t>
             </a:fld>
             <a:endParaRPr lang="en-IE" dirty="0"/>
           </a:p>
@@ -1964,7 +1969,7 @@
           <a:p>
             <a:fld id="{1FB4488D-424D-49BD-B917-570ECD046536}" type="datetimeFigureOut">
               <a:rPr lang="en-IE" smtClean="0"/>
-              <a:t>01/05/2021</a:t>
+              <a:t>04/05/2021</a:t>
             </a:fld>
             <a:endParaRPr lang="en-IE" dirty="0"/>
           </a:p>
@@ -2059,7 +2064,7 @@
           <a:p>
             <a:fld id="{1FB4488D-424D-49BD-B917-570ECD046536}" type="datetimeFigureOut">
               <a:rPr lang="en-IE" smtClean="0"/>
-              <a:t>01/05/2021</a:t>
+              <a:t>04/05/2021</a:t>
             </a:fld>
             <a:endParaRPr lang="en-IE" dirty="0"/>
           </a:p>
@@ -2347,7 +2352,7 @@
           <a:p>
             <a:fld id="{1FB4488D-424D-49BD-B917-570ECD046536}" type="datetimeFigureOut">
               <a:rPr lang="en-IE" smtClean="0"/>
-              <a:t>01/05/2021</a:t>
+              <a:t>04/05/2021</a:t>
             </a:fld>
             <a:endParaRPr lang="en-IE" dirty="0"/>
           </a:p>
@@ -2619,7 +2624,7 @@
           <a:p>
             <a:fld id="{1FB4488D-424D-49BD-B917-570ECD046536}" type="datetimeFigureOut">
               <a:rPr lang="en-IE" smtClean="0"/>
-              <a:t>01/05/2021</a:t>
+              <a:t>04/05/2021</a:t>
             </a:fld>
             <a:endParaRPr lang="en-IE" dirty="0"/>
           </a:p>
@@ -2916,7 +2921,7 @@
           <a:p>
             <a:fld id="{1FB4488D-424D-49BD-B917-570ECD046536}" type="datetimeFigureOut">
               <a:rPr lang="en-IE" smtClean="0"/>
-              <a:t>01/05/2021</a:t>
+              <a:t>04/05/2021</a:t>
             </a:fld>
             <a:endParaRPr lang="en-IE" dirty="0"/>
           </a:p>
@@ -4255,14 +4260,14 @@
             <a:pPr lvl="1"/>
             <a:r>
               <a:rPr lang="en-GB" dirty="0"/>
-              <a:t>The main demo will be programmed in C++ using the SFML library for any visuals. </a:t>
+              <a:t>The main demo is programmed in C++ using the SFML library for any visuals. </a:t>
             </a:r>
           </a:p>
           <a:p>
             <a:pPr lvl="1"/>
             <a:r>
               <a:rPr lang="en-GB" dirty="0"/>
-              <a:t>All neural networks will be run in the C++ program</a:t>
+              <a:t>All neural networks are run in the C++ program</a:t>
             </a:r>
           </a:p>
           <a:p>
@@ -4275,7 +4280,7 @@
             <a:pPr lvl="1"/>
             <a:r>
               <a:rPr lang="en-GB" dirty="0"/>
-              <a:t>All reinforcement learning are programmed in the same C++ project from scratch using no external libraries.</a:t>
+              <a:t>All reinforcement learning is programmed in the same C++ project from scratch using no external libraries.</a:t>
             </a:r>
           </a:p>
           <a:p>

--- a/Docs/Final Presentation.pptx
+++ b/Docs/Final Presentation.pptx
@@ -4,19 +4,26 @@
   <p:sldMasterIdLst>
     <p:sldMasterId id="2147483750" r:id="rId1"/>
   </p:sldMasterIdLst>
+  <p:notesMasterIdLst>
+    <p:notesMasterId r:id="rId18"/>
+  </p:notesMasterIdLst>
   <p:sldIdLst>
     <p:sldId id="256" r:id="rId2"/>
     <p:sldId id="257" r:id="rId3"/>
     <p:sldId id="264" r:id="rId4"/>
     <p:sldId id="258" r:id="rId5"/>
-    <p:sldId id="259" r:id="rId6"/>
-    <p:sldId id="260" r:id="rId7"/>
-    <p:sldId id="265" r:id="rId8"/>
-    <p:sldId id="267" r:id="rId9"/>
-    <p:sldId id="266" r:id="rId10"/>
-    <p:sldId id="262" r:id="rId11"/>
-    <p:sldId id="261" r:id="rId12"/>
-    <p:sldId id="263" r:id="rId13"/>
+    <p:sldId id="268" r:id="rId6"/>
+    <p:sldId id="270" r:id="rId7"/>
+    <p:sldId id="269" r:id="rId8"/>
+    <p:sldId id="273" r:id="rId9"/>
+    <p:sldId id="271" r:id="rId10"/>
+    <p:sldId id="260" r:id="rId11"/>
+    <p:sldId id="265" r:id="rId12"/>
+    <p:sldId id="267" r:id="rId13"/>
+    <p:sldId id="266" r:id="rId14"/>
+    <p:sldId id="262" r:id="rId15"/>
+    <p:sldId id="272" r:id="rId16"/>
+    <p:sldId id="263" r:id="rId17"/>
   </p:sldIdLst>
   <p:sldSz cx="12192000" cy="6858000"/>
   <p:notesSz cx="6858000" cy="9144000"/>
@@ -123,6 +130,356 @@
 </p:presentation>
 </file>
 
+<file path=ppt/notesMasters/notesMaster1.xml><?xml version="1.0" encoding="utf-8"?>
+<p:notesMaster xmlns:a="http://schemas.openxmlformats.org/drawingml/2006/main" xmlns:r="http://schemas.openxmlformats.org/officeDocument/2006/relationships" xmlns:p="http://schemas.openxmlformats.org/presentationml/2006/main">
+  <p:cSld>
+    <p:bg>
+      <p:bgRef idx="1001">
+        <a:schemeClr val="bg1"/>
+      </p:bgRef>
+    </p:bg>
+    <p:spTree>
+      <p:nvGrpSpPr>
+        <p:cNvPr id="1" name=""/>
+        <p:cNvGrpSpPr/>
+        <p:nvPr/>
+      </p:nvGrpSpPr>
+      <p:grpSpPr>
+        <a:xfrm>
+          <a:off x="0" y="0"/>
+          <a:ext cx="0" cy="0"/>
+          <a:chOff x="0" y="0"/>
+          <a:chExt cx="0" cy="0"/>
+        </a:xfrm>
+      </p:grpSpPr>
+      <p:sp>
+        <p:nvSpPr>
+          <p:cNvPr id="2" name="Header Placeholder 1"/>
+          <p:cNvSpPr>
+            <a:spLocks noGrp="1"/>
+          </p:cNvSpPr>
+          <p:nvPr>
+            <p:ph type="hdr" sz="quarter"/>
+          </p:nvPr>
+        </p:nvSpPr>
+        <p:spPr>
+          <a:xfrm>
+            <a:off x="0" y="0"/>
+            <a:ext cx="2971800" cy="458788"/>
+          </a:xfrm>
+          <a:prstGeom prst="rect">
+            <a:avLst/>
+          </a:prstGeom>
+        </p:spPr>
+        <p:txBody>
+          <a:bodyPr vert="horz" lIns="91440" tIns="45720" rIns="91440" bIns="45720" rtlCol="0"/>
+          <a:lstStyle>
+            <a:lvl1pPr algn="l">
+              <a:defRPr sz="1200"/>
+            </a:lvl1pPr>
+          </a:lstStyle>
+          <a:p>
+            <a:endParaRPr lang="en-IE"/>
+          </a:p>
+        </p:txBody>
+      </p:sp>
+      <p:sp>
+        <p:nvSpPr>
+          <p:cNvPr id="3" name="Date Placeholder 2"/>
+          <p:cNvSpPr>
+            <a:spLocks noGrp="1"/>
+          </p:cNvSpPr>
+          <p:nvPr>
+            <p:ph type="dt" idx="1"/>
+          </p:nvPr>
+        </p:nvSpPr>
+        <p:spPr>
+          <a:xfrm>
+            <a:off x="3884613" y="0"/>
+            <a:ext cx="2971800" cy="458788"/>
+          </a:xfrm>
+          <a:prstGeom prst="rect">
+            <a:avLst/>
+          </a:prstGeom>
+        </p:spPr>
+        <p:txBody>
+          <a:bodyPr vert="horz" lIns="91440" tIns="45720" rIns="91440" bIns="45720" rtlCol="0"/>
+          <a:lstStyle>
+            <a:lvl1pPr algn="r">
+              <a:defRPr sz="1200"/>
+            </a:lvl1pPr>
+          </a:lstStyle>
+          <a:p>
+            <a:fld id="{C10A3BA7-8991-4170-9CBC-DB34F77623DF}" type="datetimeFigureOut">
+              <a:rPr lang="en-IE" smtClean="0"/>
+              <a:t>04/05/2021</a:t>
+            </a:fld>
+            <a:endParaRPr lang="en-IE"/>
+          </a:p>
+        </p:txBody>
+      </p:sp>
+      <p:sp>
+        <p:nvSpPr>
+          <p:cNvPr id="4" name="Slide Image Placeholder 3"/>
+          <p:cNvSpPr>
+            <a:spLocks noGrp="1" noRot="1" noChangeAspect="1"/>
+          </p:cNvSpPr>
+          <p:nvPr>
+            <p:ph type="sldImg" idx="2"/>
+          </p:nvPr>
+        </p:nvSpPr>
+        <p:spPr>
+          <a:xfrm>
+            <a:off x="685800" y="1143000"/>
+            <a:ext cx="5486400" cy="3086100"/>
+          </a:xfrm>
+          <a:prstGeom prst="rect">
+            <a:avLst/>
+          </a:prstGeom>
+          <a:noFill/>
+          <a:ln w="12700">
+            <a:solidFill>
+              <a:prstClr val="black"/>
+            </a:solidFill>
+          </a:ln>
+        </p:spPr>
+        <p:txBody>
+          <a:bodyPr vert="horz" lIns="91440" tIns="45720" rIns="91440" bIns="45720" rtlCol="0" anchor="ctr"/>
+          <a:lstStyle/>
+          <a:p>
+            <a:endParaRPr lang="en-IE"/>
+          </a:p>
+        </p:txBody>
+      </p:sp>
+      <p:sp>
+        <p:nvSpPr>
+          <p:cNvPr id="5" name="Notes Placeholder 4"/>
+          <p:cNvSpPr>
+            <a:spLocks noGrp="1"/>
+          </p:cNvSpPr>
+          <p:nvPr>
+            <p:ph type="body" sz="quarter" idx="3"/>
+          </p:nvPr>
+        </p:nvSpPr>
+        <p:spPr>
+          <a:xfrm>
+            <a:off x="685800" y="4400550"/>
+            <a:ext cx="5486400" cy="3600450"/>
+          </a:xfrm>
+          <a:prstGeom prst="rect">
+            <a:avLst/>
+          </a:prstGeom>
+        </p:spPr>
+        <p:txBody>
+          <a:bodyPr vert="horz" lIns="91440" tIns="45720" rIns="91440" bIns="45720" rtlCol="0"/>
+          <a:lstStyle/>
+          <a:p>
+            <a:pPr lvl="0"/>
+            <a:r>
+              <a:rPr lang="en-US"/>
+              <a:t>Click to edit Master text styles</a:t>
+            </a:r>
+          </a:p>
+          <a:p>
+            <a:pPr lvl="1"/>
+            <a:r>
+              <a:rPr lang="en-US"/>
+              <a:t>Second level</a:t>
+            </a:r>
+          </a:p>
+          <a:p>
+            <a:pPr lvl="2"/>
+            <a:r>
+              <a:rPr lang="en-US"/>
+              <a:t>Third level</a:t>
+            </a:r>
+          </a:p>
+          <a:p>
+            <a:pPr lvl="3"/>
+            <a:r>
+              <a:rPr lang="en-US"/>
+              <a:t>Fourth level</a:t>
+            </a:r>
+          </a:p>
+          <a:p>
+            <a:pPr lvl="4"/>
+            <a:r>
+              <a:rPr lang="en-US"/>
+              <a:t>Fifth level</a:t>
+            </a:r>
+            <a:endParaRPr lang="en-IE"/>
+          </a:p>
+        </p:txBody>
+      </p:sp>
+      <p:sp>
+        <p:nvSpPr>
+          <p:cNvPr id="6" name="Footer Placeholder 5"/>
+          <p:cNvSpPr>
+            <a:spLocks noGrp="1"/>
+          </p:cNvSpPr>
+          <p:nvPr>
+            <p:ph type="ftr" sz="quarter" idx="4"/>
+          </p:nvPr>
+        </p:nvSpPr>
+        <p:spPr>
+          <a:xfrm>
+            <a:off x="0" y="8685213"/>
+            <a:ext cx="2971800" cy="458787"/>
+          </a:xfrm>
+          <a:prstGeom prst="rect">
+            <a:avLst/>
+          </a:prstGeom>
+        </p:spPr>
+        <p:txBody>
+          <a:bodyPr vert="horz" lIns="91440" tIns="45720" rIns="91440" bIns="45720" rtlCol="0" anchor="b"/>
+          <a:lstStyle>
+            <a:lvl1pPr algn="l">
+              <a:defRPr sz="1200"/>
+            </a:lvl1pPr>
+          </a:lstStyle>
+          <a:p>
+            <a:endParaRPr lang="en-IE"/>
+          </a:p>
+        </p:txBody>
+      </p:sp>
+      <p:sp>
+        <p:nvSpPr>
+          <p:cNvPr id="7" name="Slide Number Placeholder 6"/>
+          <p:cNvSpPr>
+            <a:spLocks noGrp="1"/>
+          </p:cNvSpPr>
+          <p:nvPr>
+            <p:ph type="sldNum" sz="quarter" idx="5"/>
+          </p:nvPr>
+        </p:nvSpPr>
+        <p:spPr>
+          <a:xfrm>
+            <a:off x="3884613" y="8685213"/>
+            <a:ext cx="2971800" cy="458787"/>
+          </a:xfrm>
+          <a:prstGeom prst="rect">
+            <a:avLst/>
+          </a:prstGeom>
+        </p:spPr>
+        <p:txBody>
+          <a:bodyPr vert="horz" lIns="91440" tIns="45720" rIns="91440" bIns="45720" rtlCol="0" anchor="b"/>
+          <a:lstStyle>
+            <a:lvl1pPr algn="r">
+              <a:defRPr sz="1200"/>
+            </a:lvl1pPr>
+          </a:lstStyle>
+          <a:p>
+            <a:fld id="{087D251A-FBC3-44D2-8221-BC3E8B8AD85D}" type="slidenum">
+              <a:rPr lang="en-IE" smtClean="0"/>
+              <a:t>‹#›</a:t>
+            </a:fld>
+            <a:endParaRPr lang="en-IE"/>
+          </a:p>
+        </p:txBody>
+      </p:sp>
+    </p:spTree>
+    <p:extLst>
+      <p:ext uri="{BB962C8B-B14F-4D97-AF65-F5344CB8AC3E}">
+        <p14:creationId xmlns:p14="http://schemas.microsoft.com/office/powerpoint/2010/main" val="2549775976"/>
+      </p:ext>
+    </p:extLst>
+  </p:cSld>
+  <p:clrMap bg1="lt1" tx1="dk1" bg2="lt2" tx2="dk2" accent1="accent1" accent2="accent2" accent3="accent3" accent4="accent4" accent5="accent5" accent6="accent6" hlink="hlink" folHlink="folHlink"/>
+  <p:notesStyle>
+    <a:lvl1pPr marL="0" algn="l" defTabSz="914400" rtl="0" eaLnBrk="1" latinLnBrk="0" hangingPunct="1">
+      <a:defRPr sz="1200" kern="1200">
+        <a:solidFill>
+          <a:schemeClr val="tx1"/>
+        </a:solidFill>
+        <a:latin typeface="+mn-lt"/>
+        <a:ea typeface="+mn-ea"/>
+        <a:cs typeface="+mn-cs"/>
+      </a:defRPr>
+    </a:lvl1pPr>
+    <a:lvl2pPr marL="457200" algn="l" defTabSz="914400" rtl="0" eaLnBrk="1" latinLnBrk="0" hangingPunct="1">
+      <a:defRPr sz="1200" kern="1200">
+        <a:solidFill>
+          <a:schemeClr val="tx1"/>
+        </a:solidFill>
+        <a:latin typeface="+mn-lt"/>
+        <a:ea typeface="+mn-ea"/>
+        <a:cs typeface="+mn-cs"/>
+      </a:defRPr>
+    </a:lvl2pPr>
+    <a:lvl3pPr marL="914400" algn="l" defTabSz="914400" rtl="0" eaLnBrk="1" latinLnBrk="0" hangingPunct="1">
+      <a:defRPr sz="1200" kern="1200">
+        <a:solidFill>
+          <a:schemeClr val="tx1"/>
+        </a:solidFill>
+        <a:latin typeface="+mn-lt"/>
+        <a:ea typeface="+mn-ea"/>
+        <a:cs typeface="+mn-cs"/>
+      </a:defRPr>
+    </a:lvl3pPr>
+    <a:lvl4pPr marL="1371600" algn="l" defTabSz="914400" rtl="0" eaLnBrk="1" latinLnBrk="0" hangingPunct="1">
+      <a:defRPr sz="1200" kern="1200">
+        <a:solidFill>
+          <a:schemeClr val="tx1"/>
+        </a:solidFill>
+        <a:latin typeface="+mn-lt"/>
+        <a:ea typeface="+mn-ea"/>
+        <a:cs typeface="+mn-cs"/>
+      </a:defRPr>
+    </a:lvl4pPr>
+    <a:lvl5pPr marL="1828800" algn="l" defTabSz="914400" rtl="0" eaLnBrk="1" latinLnBrk="0" hangingPunct="1">
+      <a:defRPr sz="1200" kern="1200">
+        <a:solidFill>
+          <a:schemeClr val="tx1"/>
+        </a:solidFill>
+        <a:latin typeface="+mn-lt"/>
+        <a:ea typeface="+mn-ea"/>
+        <a:cs typeface="+mn-cs"/>
+      </a:defRPr>
+    </a:lvl5pPr>
+    <a:lvl6pPr marL="2286000" algn="l" defTabSz="914400" rtl="0" eaLnBrk="1" latinLnBrk="0" hangingPunct="1">
+      <a:defRPr sz="1200" kern="1200">
+        <a:solidFill>
+          <a:schemeClr val="tx1"/>
+        </a:solidFill>
+        <a:latin typeface="+mn-lt"/>
+        <a:ea typeface="+mn-ea"/>
+        <a:cs typeface="+mn-cs"/>
+      </a:defRPr>
+    </a:lvl6pPr>
+    <a:lvl7pPr marL="2743200" algn="l" defTabSz="914400" rtl="0" eaLnBrk="1" latinLnBrk="0" hangingPunct="1">
+      <a:defRPr sz="1200" kern="1200">
+        <a:solidFill>
+          <a:schemeClr val="tx1"/>
+        </a:solidFill>
+        <a:latin typeface="+mn-lt"/>
+        <a:ea typeface="+mn-ea"/>
+        <a:cs typeface="+mn-cs"/>
+      </a:defRPr>
+    </a:lvl7pPr>
+    <a:lvl8pPr marL="3200400" algn="l" defTabSz="914400" rtl="0" eaLnBrk="1" latinLnBrk="0" hangingPunct="1">
+      <a:defRPr sz="1200" kern="1200">
+        <a:solidFill>
+          <a:schemeClr val="tx1"/>
+        </a:solidFill>
+        <a:latin typeface="+mn-lt"/>
+        <a:ea typeface="+mn-ea"/>
+        <a:cs typeface="+mn-cs"/>
+      </a:defRPr>
+    </a:lvl8pPr>
+    <a:lvl9pPr marL="3657600" algn="l" defTabSz="914400" rtl="0" eaLnBrk="1" latinLnBrk="0" hangingPunct="1">
+      <a:defRPr sz="1200" kern="1200">
+        <a:solidFill>
+          <a:schemeClr val="tx1"/>
+        </a:solidFill>
+        <a:latin typeface="+mn-lt"/>
+        <a:ea typeface="+mn-ea"/>
+        <a:cs typeface="+mn-cs"/>
+      </a:defRPr>
+    </a:lvl9pPr>
+  </p:notesStyle>
+</p:notesMaster>
+</file>
+
 <file path=ppt/slideLayouts/slideLayout1.xml><?xml version="1.0" encoding="utf-8"?>
 <p:sldLayout xmlns:a="http://schemas.openxmlformats.org/drawingml/2006/main" xmlns:r="http://schemas.openxmlformats.org/officeDocument/2006/relationships" xmlns:p="http://schemas.openxmlformats.org/presentationml/2006/main" showMasterSp="0" type="title" preserve="1">
   <p:cSld name="Title Slide">
@@ -345,7 +702,7 @@
           <a:bodyPr/>
           <a:lstStyle/>
           <a:p>
-            <a:fld id="{1FB4488D-424D-49BD-B917-570ECD046536}" type="datetimeFigureOut">
+            <a:fld id="{0E0ECF0D-58CE-4B15-AED3-0DD25CAFE001}" type="datetime1">
               <a:rPr lang="en-IE" smtClean="0"/>
               <a:t>04/05/2021</a:t>
             </a:fld>
@@ -515,7 +872,7 @@
           <a:bodyPr/>
           <a:lstStyle/>
           <a:p>
-            <a:fld id="{1FB4488D-424D-49BD-B917-570ECD046536}" type="datetimeFigureOut">
+            <a:fld id="{356107B7-80B4-427C-BDE1-56C2100FFAAB}" type="datetime1">
               <a:rPr lang="en-IE" smtClean="0"/>
               <a:t>04/05/2021</a:t>
             </a:fld>
@@ -695,7 +1052,7 @@
           <a:bodyPr/>
           <a:lstStyle/>
           <a:p>
-            <a:fld id="{1FB4488D-424D-49BD-B917-570ECD046536}" type="datetimeFigureOut">
+            <a:fld id="{99E11D73-FF17-408A-92D0-6CAD0DBFDE3B}" type="datetime1">
               <a:rPr lang="en-IE" smtClean="0"/>
               <a:t>04/05/2021</a:t>
             </a:fld>
@@ -865,7 +1222,7 @@
           <a:bodyPr/>
           <a:lstStyle/>
           <a:p>
-            <a:fld id="{1FB4488D-424D-49BD-B917-570ECD046536}" type="datetimeFigureOut">
+            <a:fld id="{CAFD4BCA-7792-46A8-98BD-359B24EB7D35}" type="datetime1">
               <a:rPr lang="en-IE" smtClean="0"/>
               <a:t>04/05/2021</a:t>
             </a:fld>
@@ -1119,7 +1476,7 @@
           <a:bodyPr/>
           <a:lstStyle/>
           <a:p>
-            <a:fld id="{1FB4488D-424D-49BD-B917-570ECD046536}" type="datetimeFigureOut">
+            <a:fld id="{29ADECBB-7038-4CC5-86DB-923FA50372B1}" type="datetime1">
               <a:rPr lang="en-IE" smtClean="0"/>
               <a:t>04/05/2021</a:t>
             </a:fld>
@@ -1407,7 +1764,7 @@
           <a:bodyPr/>
           <a:lstStyle/>
           <a:p>
-            <a:fld id="{1FB4488D-424D-49BD-B917-570ECD046536}" type="datetimeFigureOut">
+            <a:fld id="{182325FB-99E0-4F40-B1A2-8AA2506CDEC2}" type="datetime1">
               <a:rPr lang="en-IE" smtClean="0"/>
               <a:t>04/05/2021</a:t>
             </a:fld>
@@ -1849,7 +2206,7 @@
           <a:bodyPr/>
           <a:lstStyle/>
           <a:p>
-            <a:fld id="{1FB4488D-424D-49BD-B917-570ECD046536}" type="datetimeFigureOut">
+            <a:fld id="{886F7500-FBDC-4BDE-A674-A42250220F8E}" type="datetime1">
               <a:rPr lang="en-IE" smtClean="0"/>
               <a:t>04/05/2021</a:t>
             </a:fld>
@@ -1967,7 +2324,7 @@
           <a:bodyPr/>
           <a:lstStyle/>
           <a:p>
-            <a:fld id="{1FB4488D-424D-49BD-B917-570ECD046536}" type="datetimeFigureOut">
+            <a:fld id="{2B1E8BA6-F95C-4DA0-A9EC-C3EC1E5A0DFD}" type="datetime1">
               <a:rPr lang="en-IE" smtClean="0"/>
               <a:t>04/05/2021</a:t>
             </a:fld>
@@ -2062,7 +2419,7 @@
           <a:bodyPr/>
           <a:lstStyle/>
           <a:p>
-            <a:fld id="{1FB4488D-424D-49BD-B917-570ECD046536}" type="datetimeFigureOut">
+            <a:fld id="{FA395D71-1728-4425-97D1-4B51FF358904}" type="datetime1">
               <a:rPr lang="en-IE" smtClean="0"/>
               <a:t>04/05/2021</a:t>
             </a:fld>
@@ -2350,7 +2707,7 @@
           <a:bodyPr/>
           <a:lstStyle/>
           <a:p>
-            <a:fld id="{1FB4488D-424D-49BD-B917-570ECD046536}" type="datetimeFigureOut">
+            <a:fld id="{FC0DC48F-D709-48A9-A631-6F7CFE72E462}" type="datetime1">
               <a:rPr lang="en-IE" smtClean="0"/>
               <a:t>04/05/2021</a:t>
             </a:fld>
@@ -2622,7 +2979,7 @@
           <a:bodyPr/>
           <a:lstStyle/>
           <a:p>
-            <a:fld id="{1FB4488D-424D-49BD-B917-570ECD046536}" type="datetimeFigureOut">
+            <a:fld id="{DCFA4303-0F2C-48D3-81D4-D0E272CC9A59}" type="datetime1">
               <a:rPr lang="en-IE" smtClean="0"/>
               <a:t>04/05/2021</a:t>
             </a:fld>
@@ -2919,7 +3276,7 @@
             </a:lvl1pPr>
           </a:lstStyle>
           <a:p>
-            <a:fld id="{1FB4488D-424D-49BD-B917-570ECD046536}" type="datetimeFigureOut">
+            <a:fld id="{323390C8-EFC0-4528-BE7E-EE0B43149961}" type="datetime1">
               <a:rPr lang="en-IE" smtClean="0"/>
               <a:t>04/05/2021</a:t>
             </a:fld>
@@ -3025,6 +3382,7 @@
     <p:sldLayoutId id="2147483760" r:id="rId10"/>
     <p:sldLayoutId id="2147483761" r:id="rId11"/>
   </p:sldLayoutIdLst>
+  <p:hf hdr="0" ftr="0" dt="0"/>
   <p:txStyles>
     <p:titleStyle>
       <a:lvl1pPr algn="l" defTabSz="914400" rtl="0" eaLnBrk="1" latinLnBrk="0" hangingPunct="1">
@@ -3494,6 +3852,38 @@
           </a:p>
         </p:txBody>
       </p:sp>
+      <p:sp>
+        <p:nvSpPr>
+          <p:cNvPr id="4" name="Slide Number Placeholder 3">
+            <a:extLst>
+              <a:ext uri="{FF2B5EF4-FFF2-40B4-BE49-F238E27FC236}">
+                <a16:creationId xmlns:a16="http://schemas.microsoft.com/office/drawing/2014/main" id="{7F0C4155-6D4C-4F49-8276-52ABBAEBFE5C}"/>
+              </a:ext>
+            </a:extLst>
+          </p:cNvPr>
+          <p:cNvSpPr>
+            <a:spLocks noGrp="1"/>
+          </p:cNvSpPr>
+          <p:nvPr>
+            <p:ph type="sldNum" sz="quarter" idx="12"/>
+          </p:nvPr>
+        </p:nvSpPr>
+        <p:spPr/>
+        <p:txBody>
+          <a:bodyPr/>
+          <a:lstStyle/>
+          <a:p>
+            <a:fld id="{3BC720E8-28BF-4CEC-8769-AB7BFC6EBAD8}" type="slidenum">
+              <a:rPr lang="en-IE" smtClean="0"/>
+              <a:t>1</a:t>
+            </a:fld>
+            <a:r>
+              <a:rPr lang="en-IE" dirty="0"/>
+              <a:t>/16</a:t>
+            </a:r>
+          </a:p>
+        </p:txBody>
+      </p:sp>
     </p:spTree>
     <p:extLst>
       <p:ext uri="{BB962C8B-B14F-4D97-AF65-F5344CB8AC3E}">
@@ -3510,6 +3900,14 @@
 <file path=ppt/slides/slide10.xml><?xml version="1.0" encoding="utf-8"?>
 <p:sld xmlns:a="http://schemas.openxmlformats.org/drawingml/2006/main" xmlns:r="http://schemas.openxmlformats.org/officeDocument/2006/relationships" xmlns:p="http://schemas.openxmlformats.org/presentationml/2006/main">
   <p:cSld>
+    <p:bg>
+      <p:bgPr>
+        <a:solidFill>
+          <a:schemeClr val="bg1"/>
+        </a:solidFill>
+        <a:effectLst/>
+      </p:bgPr>
+    </p:bg>
     <p:spTree>
       <p:nvGrpSpPr>
         <p:cNvPr id="1" name=""/>
@@ -3526,10 +3924,65 @@
       </p:grpSpPr>
       <p:sp>
         <p:nvSpPr>
+          <p:cNvPr id="80" name="Rectangle 79">
+            <a:extLst>
+              <a:ext uri="{FF2B5EF4-FFF2-40B4-BE49-F238E27FC236}">
+                <a16:creationId xmlns:a16="http://schemas.microsoft.com/office/drawing/2014/main" id="{C7695FE5-79DD-4ACA-ABEA-BC94D993C4F3}"/>
+              </a:ext>
+              <a:ext uri="{C183D7F6-B498-43B3-948B-1728B52AA6E4}">
+                <adec:decorative xmlns:adec="http://schemas.microsoft.com/office/drawing/2017/decorative" val="1"/>
+              </a:ext>
+            </a:extLst>
+          </p:cNvPr>
+          <p:cNvSpPr>
+            <a:spLocks noGrp="1" noRot="1" noChangeAspect="1" noMove="1" noResize="1" noEditPoints="1" noAdjustHandles="1" noChangeArrowheads="1" noChangeShapeType="1" noTextEdit="1"/>
+          </p:cNvSpPr>
+          <p:nvPr>
+            <p:extLst>
+              <p:ext uri="{386F3935-93C4-4BCD-93E2-E3B085C9AB24}">
+                <p16:designElem xmlns:p16="http://schemas.microsoft.com/office/powerpoint/2015/main" val="1"/>
+              </p:ext>
+            </p:extLst>
+          </p:nvPr>
+        </p:nvSpPr>
+        <p:spPr>
+          <a:xfrm>
+            <a:off x="0" y="759599"/>
+            <a:ext cx="5608255" cy="5334001"/>
+          </a:xfrm>
+          <a:prstGeom prst="rect">
+            <a:avLst/>
+          </a:prstGeom>
+          <a:solidFill>
+            <a:schemeClr val="accent1"/>
+          </a:solidFill>
+          <a:ln>
+            <a:noFill/>
+          </a:ln>
+        </p:spPr>
+        <p:style>
+          <a:lnRef idx="2">
+            <a:schemeClr val="accent1">
+              <a:shade val="50000"/>
+            </a:schemeClr>
+          </a:lnRef>
+          <a:fillRef idx="1">
+            <a:schemeClr val="accent1"/>
+          </a:fillRef>
+          <a:effectRef idx="0">
+            <a:schemeClr val="accent1"/>
+          </a:effectRef>
+          <a:fontRef idx="minor">
+            <a:schemeClr val="lt1"/>
+          </a:fontRef>
+        </p:style>
+      </p:sp>
+      <p:sp>
+        <p:nvSpPr>
           <p:cNvPr id="2" name="Title 1">
             <a:extLst>
               <a:ext uri="{FF2B5EF4-FFF2-40B4-BE49-F238E27FC236}">
-                <a16:creationId xmlns:a16="http://schemas.microsoft.com/office/drawing/2014/main" id="{8505986F-4599-40E4-A098-E0A49C0E047E}"/>
+                <a16:creationId xmlns:a16="http://schemas.microsoft.com/office/drawing/2014/main" id="{14E7FC7C-A2BE-4FD5-A8A7-004474A3C50F}"/>
               </a:ext>
             </a:extLst>
           </p:cNvPr>
@@ -3540,14 +3993,21 @@
             <p:ph type="title"/>
           </p:nvPr>
         </p:nvSpPr>
-        <p:spPr/>
-        <p:txBody>
-          <a:bodyPr/>
+        <p:spPr>
+          <a:xfrm>
+            <a:off x="289248" y="1123837"/>
+            <a:ext cx="4998963" cy="1255469"/>
+          </a:xfrm>
+        </p:spPr>
+        <p:txBody>
+          <a:bodyPr>
+            <a:normAutofit/>
+          </a:bodyPr>
           <a:lstStyle/>
           <a:p>
             <a:r>
               <a:rPr lang="en-GB" dirty="0"/>
-              <a:t>Review</a:t>
+              <a:t>Results</a:t>
             </a:r>
             <a:endParaRPr lang="en-IE" dirty="0"/>
           </a:p>
@@ -3558,7 +4018,7 @@
           <p:cNvPr id="3" name="Content Placeholder 2">
             <a:extLst>
               <a:ext uri="{FF2B5EF4-FFF2-40B4-BE49-F238E27FC236}">
-                <a16:creationId xmlns:a16="http://schemas.microsoft.com/office/drawing/2014/main" id="{A0835D20-1BAE-4CA5-A6C8-00EF301AAD4E}"/>
+                <a16:creationId xmlns:a16="http://schemas.microsoft.com/office/drawing/2014/main" id="{2532AD3B-5440-42B7-9440-48C5C0116AF0}"/>
               </a:ext>
             </a:extLst>
           </p:cNvPr>
@@ -3569,38 +4029,242 @@
             <p:ph idx="1"/>
           </p:nvPr>
         </p:nvSpPr>
+        <p:spPr>
+          <a:xfrm>
+            <a:off x="289249" y="2510395"/>
+            <a:ext cx="4998962" cy="3274586"/>
+          </a:xfrm>
+        </p:spPr>
+        <p:txBody>
+          <a:bodyPr anchor="t">
+            <a:normAutofit/>
+          </a:bodyPr>
+          <a:lstStyle/>
+          <a:p>
+            <a:r>
+              <a:rPr lang="en-GB">
+                <a:solidFill>
+                  <a:srgbClr val="FFFFFF"/>
+                </a:solidFill>
+              </a:rPr>
+              <a:t>Backpropagation</a:t>
+            </a:r>
+          </a:p>
+          <a:p>
+            <a:pPr lvl="1"/>
+            <a:r>
+              <a:rPr lang="en-GB">
+                <a:solidFill>
+                  <a:srgbClr val="FFFFFF"/>
+                </a:solidFill>
+              </a:rPr>
+              <a:t>Was significantly faster than Reinforcement </a:t>
+            </a:r>
+          </a:p>
+          <a:p>
+            <a:pPr lvl="1"/>
+            <a:r>
+              <a:rPr lang="en-GB">
+                <a:solidFill>
+                  <a:srgbClr val="FFFFFF"/>
+                </a:solidFill>
+              </a:rPr>
+              <a:t>Collecting training data took the most time</a:t>
+            </a:r>
+          </a:p>
+          <a:p>
+            <a:pPr lvl="1"/>
+            <a:r>
+              <a:rPr lang="en-GB">
+                <a:solidFill>
+                  <a:srgbClr val="FFFFFF"/>
+                </a:solidFill>
+              </a:rPr>
+              <a:t>Running algorithms took a few minutes</a:t>
+            </a:r>
+          </a:p>
+          <a:p>
+            <a:r>
+              <a:rPr lang="en-GB">
+                <a:solidFill>
+                  <a:srgbClr val="FFFFFF"/>
+                </a:solidFill>
+              </a:rPr>
+              <a:t>Reinforcement </a:t>
+            </a:r>
+          </a:p>
+          <a:p>
+            <a:pPr lvl="1"/>
+            <a:r>
+              <a:rPr lang="en-GB">
+                <a:solidFill>
+                  <a:srgbClr val="FFFFFF"/>
+                </a:solidFill>
+              </a:rPr>
+              <a:t>Took several hours to train</a:t>
+            </a:r>
+          </a:p>
+          <a:p>
+            <a:pPr lvl="1"/>
+            <a:r>
+              <a:rPr lang="en-GB">
+                <a:solidFill>
+                  <a:srgbClr val="FFFFFF"/>
+                </a:solidFill>
+              </a:rPr>
+              <a:t>Needed little to no human input </a:t>
+            </a:r>
+          </a:p>
+          <a:p>
+            <a:endParaRPr lang="en-IE">
+              <a:solidFill>
+                <a:srgbClr val="FFFFFF"/>
+              </a:solidFill>
+            </a:endParaRPr>
+          </a:p>
+        </p:txBody>
+      </p:sp>
+      <p:pic>
+        <p:nvPicPr>
+          <p:cNvPr id="8" name="Picture 7" descr="Chart, pie chart&#10;&#10;Description automatically generated">
+            <a:extLst>
+              <a:ext uri="{FF2B5EF4-FFF2-40B4-BE49-F238E27FC236}">
+                <a16:creationId xmlns:a16="http://schemas.microsoft.com/office/drawing/2014/main" id="{08454D90-332D-46D6-AAFD-82AF48F81BA5}"/>
+              </a:ext>
+            </a:extLst>
+          </p:cNvPr>
+          <p:cNvPicPr>
+            <a:picLocks noChangeAspect="1"/>
+          </p:cNvPicPr>
+          <p:nvPr/>
+        </p:nvPicPr>
+        <p:blipFill>
+          <a:blip r:embed="rId2">
+            <a:extLst>
+              <a:ext uri="{28A0092B-C50C-407E-A947-70E740481C1C}">
+                <a14:useLocalDpi xmlns:a14="http://schemas.microsoft.com/office/drawing/2010/main" val="0"/>
+              </a:ext>
+            </a:extLst>
+          </a:blip>
+          <a:stretch>
+            <a:fillRect/>
+          </a:stretch>
+        </p:blipFill>
+        <p:spPr>
+          <a:xfrm>
+            <a:off x="6092890" y="888197"/>
+            <a:ext cx="5238340" cy="5073453"/>
+          </a:xfrm>
+          <a:prstGeom prst="rect">
+            <a:avLst/>
+          </a:prstGeom>
+        </p:spPr>
+      </p:pic>
+      <p:sp>
+        <p:nvSpPr>
+          <p:cNvPr id="4" name="TextBox 3">
+            <a:extLst>
+              <a:ext uri="{FF2B5EF4-FFF2-40B4-BE49-F238E27FC236}">
+                <a16:creationId xmlns:a16="http://schemas.microsoft.com/office/drawing/2014/main" id="{EC758F69-9EFE-4C5E-82C5-AB70C4A80DBA}"/>
+              </a:ext>
+            </a:extLst>
+          </p:cNvPr>
+          <p:cNvSpPr txBox="1"/>
+          <p:nvPr/>
+        </p:nvSpPr>
+        <p:spPr>
+          <a:xfrm>
+            <a:off x="289248" y="2048730"/>
+            <a:ext cx="7315200" cy="461665"/>
+          </a:xfrm>
+          <a:prstGeom prst="rect">
+            <a:avLst/>
+          </a:prstGeom>
+          <a:noFill/>
+        </p:spPr>
+        <p:txBody>
+          <a:bodyPr wrap="square" rtlCol="0">
+            <a:spAutoFit/>
+          </a:bodyPr>
+          <a:lstStyle/>
+          <a:p>
+            <a:pPr>
+              <a:spcAft>
+                <a:spcPts val="600"/>
+              </a:spcAft>
+            </a:pPr>
+            <a:r>
+              <a:rPr lang="en-GB" sz="2400" dirty="0">
+                <a:solidFill>
+                  <a:schemeClr val="tx1">
+                    <a:lumMod val="75000"/>
+                    <a:lumOff val="25000"/>
+                  </a:schemeClr>
+                </a:solidFill>
+              </a:rPr>
+              <a:t>Learning</a:t>
+            </a:r>
+            <a:r>
+              <a:rPr lang="en-GB" sz="2000" dirty="0">
+                <a:solidFill>
+                  <a:schemeClr val="tx1">
+                    <a:lumMod val="75000"/>
+                    <a:lumOff val="25000"/>
+                  </a:schemeClr>
+                </a:solidFill>
+              </a:rPr>
+              <a:t> </a:t>
+            </a:r>
+            <a:r>
+              <a:rPr lang="en-GB" sz="2400" dirty="0">
+                <a:solidFill>
+                  <a:schemeClr val="tx1">
+                    <a:lumMod val="75000"/>
+                    <a:lumOff val="25000"/>
+                  </a:schemeClr>
+                </a:solidFill>
+              </a:rPr>
+              <a:t>Speed</a:t>
+            </a:r>
+            <a:endParaRPr lang="en-IE" sz="2000" dirty="0">
+              <a:solidFill>
+                <a:schemeClr val="tx1">
+                  <a:lumMod val="75000"/>
+                  <a:lumOff val="25000"/>
+                </a:schemeClr>
+              </a:solidFill>
+            </a:endParaRPr>
+          </a:p>
+        </p:txBody>
+      </p:sp>
+      <p:sp>
+        <p:nvSpPr>
+          <p:cNvPr id="9" name="Slide Number Placeholder 8">
+            <a:extLst>
+              <a:ext uri="{FF2B5EF4-FFF2-40B4-BE49-F238E27FC236}">
+                <a16:creationId xmlns:a16="http://schemas.microsoft.com/office/drawing/2014/main" id="{B594E27F-D0F1-42AA-ABFD-05D8F85DE9F4}"/>
+              </a:ext>
+            </a:extLst>
+          </p:cNvPr>
+          <p:cNvSpPr>
+            <a:spLocks noGrp="1"/>
+          </p:cNvSpPr>
+          <p:nvPr>
+            <p:ph type="sldNum" sz="quarter" idx="12"/>
+          </p:nvPr>
+        </p:nvSpPr>
         <p:spPr/>
         <p:txBody>
           <a:bodyPr/>
           <a:lstStyle/>
           <a:p>
-            <a:r>
-              <a:rPr lang="en-GB" dirty="0"/>
-              <a:t>I believe my findings are accurate overall</a:t>
-            </a:r>
-          </a:p>
-          <a:p>
-            <a:r>
-              <a:rPr lang="en-GB" dirty="0"/>
-              <a:t>Took a lot of time to learn about neural networks and the learning methods</a:t>
-            </a:r>
-          </a:p>
-          <a:p>
-            <a:r>
-              <a:rPr lang="en-GB" dirty="0"/>
-              <a:t>Constantly changed network architecture</a:t>
-            </a:r>
-          </a:p>
-          <a:p>
+            <a:fld id="{3BC720E8-28BF-4CEC-8769-AB7BFC6EBAD8}" type="slidenum">
+              <a:rPr lang="en-IE" smtClean="0"/>
+              <a:t>10</a:t>
+            </a:fld>
             <a:r>
               <a:rPr lang="en-IE" dirty="0"/>
-              <a:t>Believe I chose correct technologies</a:t>
-            </a:r>
-          </a:p>
-          <a:p>
-            <a:r>
-              <a:rPr lang="en-IE" dirty="0"/>
-              <a:t>Reinforcement learning’s weights adjustment slightly inaccurate</a:t>
+              <a:t>/16</a:t>
             </a:r>
           </a:p>
         </p:txBody>
@@ -3608,7 +4272,7 @@
     </p:spTree>
     <p:extLst>
       <p:ext uri="{BB962C8B-B14F-4D97-AF65-F5344CB8AC3E}">
-        <p14:creationId xmlns:p14="http://schemas.microsoft.com/office/powerpoint/2010/main" val="2035851360"/>
+        <p14:creationId xmlns:p14="http://schemas.microsoft.com/office/powerpoint/2010/main" val="3829579869"/>
       </p:ext>
     </p:extLst>
   </p:cSld>
@@ -3619,6 +4283,1045 @@
 </file>
 
 <file path=ppt/slides/slide11.xml><?xml version="1.0" encoding="utf-8"?>
+<p:sld xmlns:a="http://schemas.openxmlformats.org/drawingml/2006/main" xmlns:r="http://schemas.openxmlformats.org/officeDocument/2006/relationships" xmlns:p="http://schemas.openxmlformats.org/presentationml/2006/main">
+  <p:cSld>
+    <p:bg>
+      <p:bgPr>
+        <a:solidFill>
+          <a:schemeClr val="bg1"/>
+        </a:solidFill>
+        <a:effectLst/>
+      </p:bgPr>
+    </p:bg>
+    <p:spTree>
+      <p:nvGrpSpPr>
+        <p:cNvPr id="1" name=""/>
+        <p:cNvGrpSpPr/>
+        <p:nvPr/>
+      </p:nvGrpSpPr>
+      <p:grpSpPr>
+        <a:xfrm>
+          <a:off x="0" y="0"/>
+          <a:ext cx="0" cy="0"/>
+          <a:chOff x="0" y="0"/>
+          <a:chExt cx="0" cy="0"/>
+        </a:xfrm>
+      </p:grpSpPr>
+      <p:sp>
+        <p:nvSpPr>
+          <p:cNvPr id="85" name="Rectangle 84">
+            <a:extLst>
+              <a:ext uri="{FF2B5EF4-FFF2-40B4-BE49-F238E27FC236}">
+                <a16:creationId xmlns:a16="http://schemas.microsoft.com/office/drawing/2014/main" id="{C7695FE5-79DD-4ACA-ABEA-BC94D993C4F3}"/>
+              </a:ext>
+              <a:ext uri="{C183D7F6-B498-43B3-948B-1728B52AA6E4}">
+                <adec:decorative xmlns:adec="http://schemas.microsoft.com/office/drawing/2017/decorative" val="1"/>
+              </a:ext>
+            </a:extLst>
+          </p:cNvPr>
+          <p:cNvSpPr>
+            <a:spLocks noGrp="1" noRot="1" noChangeAspect="1" noMove="1" noResize="1" noEditPoints="1" noAdjustHandles="1" noChangeArrowheads="1" noChangeShapeType="1" noTextEdit="1"/>
+          </p:cNvSpPr>
+          <p:nvPr>
+            <p:extLst>
+              <p:ext uri="{386F3935-93C4-4BCD-93E2-E3B085C9AB24}">
+                <p16:designElem xmlns:p16="http://schemas.microsoft.com/office/powerpoint/2015/main" val="1"/>
+              </p:ext>
+            </p:extLst>
+          </p:nvPr>
+        </p:nvSpPr>
+        <p:spPr>
+          <a:xfrm>
+            <a:off x="0" y="759599"/>
+            <a:ext cx="5608255" cy="5334001"/>
+          </a:xfrm>
+          <a:prstGeom prst="rect">
+            <a:avLst/>
+          </a:prstGeom>
+          <a:solidFill>
+            <a:schemeClr val="accent1"/>
+          </a:solidFill>
+          <a:ln>
+            <a:noFill/>
+          </a:ln>
+        </p:spPr>
+        <p:style>
+          <a:lnRef idx="2">
+            <a:schemeClr val="accent1">
+              <a:shade val="50000"/>
+            </a:schemeClr>
+          </a:lnRef>
+          <a:fillRef idx="1">
+            <a:schemeClr val="accent1"/>
+          </a:fillRef>
+          <a:effectRef idx="0">
+            <a:schemeClr val="accent1"/>
+          </a:effectRef>
+          <a:fontRef idx="minor">
+            <a:schemeClr val="lt1"/>
+          </a:fontRef>
+        </p:style>
+      </p:sp>
+      <p:sp>
+        <p:nvSpPr>
+          <p:cNvPr id="2" name="Title 1">
+            <a:extLst>
+              <a:ext uri="{FF2B5EF4-FFF2-40B4-BE49-F238E27FC236}">
+                <a16:creationId xmlns:a16="http://schemas.microsoft.com/office/drawing/2014/main" id="{14E7FC7C-A2BE-4FD5-A8A7-004474A3C50F}"/>
+              </a:ext>
+            </a:extLst>
+          </p:cNvPr>
+          <p:cNvSpPr>
+            <a:spLocks noGrp="1"/>
+          </p:cNvSpPr>
+          <p:nvPr>
+            <p:ph type="title"/>
+          </p:nvPr>
+        </p:nvSpPr>
+        <p:spPr>
+          <a:xfrm>
+            <a:off x="289248" y="1123837"/>
+            <a:ext cx="4998963" cy="1255469"/>
+          </a:xfrm>
+        </p:spPr>
+        <p:txBody>
+          <a:bodyPr>
+            <a:normAutofit/>
+          </a:bodyPr>
+          <a:lstStyle/>
+          <a:p>
+            <a:r>
+              <a:rPr lang="en-GB" dirty="0"/>
+              <a:t>Results</a:t>
+            </a:r>
+            <a:endParaRPr lang="en-IE" dirty="0"/>
+          </a:p>
+        </p:txBody>
+      </p:sp>
+      <p:sp>
+        <p:nvSpPr>
+          <p:cNvPr id="3" name="Content Placeholder 2">
+            <a:extLst>
+              <a:ext uri="{FF2B5EF4-FFF2-40B4-BE49-F238E27FC236}">
+                <a16:creationId xmlns:a16="http://schemas.microsoft.com/office/drawing/2014/main" id="{2532AD3B-5440-42B7-9440-48C5C0116AF0}"/>
+              </a:ext>
+            </a:extLst>
+          </p:cNvPr>
+          <p:cNvSpPr>
+            <a:spLocks noGrp="1"/>
+          </p:cNvSpPr>
+          <p:nvPr>
+            <p:ph idx="1"/>
+          </p:nvPr>
+        </p:nvSpPr>
+        <p:spPr>
+          <a:xfrm>
+            <a:off x="289249" y="2510395"/>
+            <a:ext cx="4998962" cy="3274586"/>
+          </a:xfrm>
+        </p:spPr>
+        <p:txBody>
+          <a:bodyPr anchor="t">
+            <a:normAutofit/>
+          </a:bodyPr>
+          <a:lstStyle/>
+          <a:p>
+            <a:r>
+              <a:rPr lang="en-GB" dirty="0">
+                <a:solidFill>
+                  <a:srgbClr val="FFFFFF"/>
+                </a:solidFill>
+              </a:rPr>
+              <a:t>Backpropagation</a:t>
+            </a:r>
+          </a:p>
+          <a:p>
+            <a:pPr lvl="1"/>
+            <a:r>
+              <a:rPr lang="en-GB" dirty="0">
+                <a:solidFill>
+                  <a:srgbClr val="FFFFFF"/>
+                </a:solidFill>
+              </a:rPr>
+              <a:t>Algorithm accuracy ~90%</a:t>
+            </a:r>
+          </a:p>
+          <a:p>
+            <a:pPr lvl="1"/>
+            <a:r>
+              <a:rPr lang="en-GB" dirty="0">
+                <a:solidFill>
+                  <a:srgbClr val="FFFFFF"/>
+                </a:solidFill>
+              </a:rPr>
+              <a:t>Car can get caught on corners</a:t>
+            </a:r>
+          </a:p>
+          <a:p>
+            <a:r>
+              <a:rPr lang="en-GB" dirty="0">
+                <a:solidFill>
+                  <a:srgbClr val="FFFFFF"/>
+                </a:solidFill>
+              </a:rPr>
+              <a:t>Reinforcement </a:t>
+            </a:r>
+          </a:p>
+          <a:p>
+            <a:pPr lvl="1"/>
+            <a:r>
+              <a:rPr lang="en-GB" dirty="0">
+                <a:solidFill>
+                  <a:srgbClr val="FFFFFF"/>
+                </a:solidFill>
+              </a:rPr>
+              <a:t>Can also get stuck on corners, not as often</a:t>
+            </a:r>
+          </a:p>
+          <a:p>
+            <a:pPr lvl="1"/>
+            <a:r>
+              <a:rPr lang="en-GB" dirty="0">
+                <a:solidFill>
+                  <a:srgbClr val="FFFFFF"/>
+                </a:solidFill>
+              </a:rPr>
+              <a:t>More training time results in more accurate model</a:t>
+            </a:r>
+          </a:p>
+          <a:p>
+            <a:endParaRPr lang="en-IE" dirty="0">
+              <a:solidFill>
+                <a:srgbClr val="FFFFFF"/>
+              </a:solidFill>
+            </a:endParaRPr>
+          </a:p>
+        </p:txBody>
+      </p:sp>
+      <p:pic>
+        <p:nvPicPr>
+          <p:cNvPr id="15" name="Picture 14" descr="Chart, pie chart&#10;&#10;Description automatically generated">
+            <a:extLst>
+              <a:ext uri="{FF2B5EF4-FFF2-40B4-BE49-F238E27FC236}">
+                <a16:creationId xmlns:a16="http://schemas.microsoft.com/office/drawing/2014/main" id="{2A19F103-AE2B-4B35-9CFD-FCA664B2801C}"/>
+              </a:ext>
+            </a:extLst>
+          </p:cNvPr>
+          <p:cNvPicPr>
+            <a:picLocks noChangeAspect="1"/>
+          </p:cNvPicPr>
+          <p:nvPr/>
+        </p:nvPicPr>
+        <p:blipFill>
+          <a:blip r:embed="rId2">
+            <a:extLst>
+              <a:ext uri="{28A0092B-C50C-407E-A947-70E740481C1C}">
+                <a14:useLocalDpi xmlns:a14="http://schemas.microsoft.com/office/drawing/2010/main" val="0"/>
+              </a:ext>
+            </a:extLst>
+          </a:blip>
+          <a:stretch>
+            <a:fillRect/>
+          </a:stretch>
+        </p:blipFill>
+        <p:spPr>
+          <a:xfrm>
+            <a:off x="6092890" y="1748656"/>
+            <a:ext cx="5238340" cy="3352536"/>
+          </a:xfrm>
+          <a:prstGeom prst="rect">
+            <a:avLst/>
+          </a:prstGeom>
+        </p:spPr>
+      </p:pic>
+      <p:sp>
+        <p:nvSpPr>
+          <p:cNvPr id="4" name="TextBox 3">
+            <a:extLst>
+              <a:ext uri="{FF2B5EF4-FFF2-40B4-BE49-F238E27FC236}">
+                <a16:creationId xmlns:a16="http://schemas.microsoft.com/office/drawing/2014/main" id="{EC758F69-9EFE-4C5E-82C5-AB70C4A80DBA}"/>
+              </a:ext>
+            </a:extLst>
+          </p:cNvPr>
+          <p:cNvSpPr txBox="1"/>
+          <p:nvPr/>
+        </p:nvSpPr>
+        <p:spPr>
+          <a:xfrm>
+            <a:off x="289248" y="2048730"/>
+            <a:ext cx="7315200" cy="461665"/>
+          </a:xfrm>
+          <a:prstGeom prst="rect">
+            <a:avLst/>
+          </a:prstGeom>
+          <a:noFill/>
+        </p:spPr>
+        <p:txBody>
+          <a:bodyPr wrap="square" rtlCol="0">
+            <a:spAutoFit/>
+          </a:bodyPr>
+          <a:lstStyle/>
+          <a:p>
+            <a:pPr>
+              <a:spcAft>
+                <a:spcPts val="600"/>
+              </a:spcAft>
+            </a:pPr>
+            <a:r>
+              <a:rPr lang="en-GB" sz="2400" dirty="0">
+                <a:solidFill>
+                  <a:schemeClr val="tx1">
+                    <a:lumMod val="75000"/>
+                    <a:lumOff val="25000"/>
+                  </a:schemeClr>
+                </a:solidFill>
+              </a:rPr>
+              <a:t>Accuracy</a:t>
+            </a:r>
+            <a:endParaRPr lang="en-IE" sz="2000" dirty="0">
+              <a:solidFill>
+                <a:schemeClr val="tx1">
+                  <a:lumMod val="75000"/>
+                  <a:lumOff val="25000"/>
+                </a:schemeClr>
+              </a:solidFill>
+            </a:endParaRPr>
+          </a:p>
+        </p:txBody>
+      </p:sp>
+      <p:sp>
+        <p:nvSpPr>
+          <p:cNvPr id="16" name="Slide Number Placeholder 15">
+            <a:extLst>
+              <a:ext uri="{FF2B5EF4-FFF2-40B4-BE49-F238E27FC236}">
+                <a16:creationId xmlns:a16="http://schemas.microsoft.com/office/drawing/2014/main" id="{F2DB074A-6055-4C51-B808-691AAEF96532}"/>
+              </a:ext>
+            </a:extLst>
+          </p:cNvPr>
+          <p:cNvSpPr>
+            <a:spLocks noGrp="1"/>
+          </p:cNvSpPr>
+          <p:nvPr>
+            <p:ph type="sldNum" sz="quarter" idx="12"/>
+          </p:nvPr>
+        </p:nvSpPr>
+        <p:spPr/>
+        <p:txBody>
+          <a:bodyPr/>
+          <a:lstStyle/>
+          <a:p>
+            <a:fld id="{3BC720E8-28BF-4CEC-8769-AB7BFC6EBAD8}" type="slidenum">
+              <a:rPr lang="en-IE" smtClean="0"/>
+              <a:t>11</a:t>
+            </a:fld>
+            <a:r>
+              <a:rPr lang="en-IE" dirty="0"/>
+              <a:t>/16</a:t>
+            </a:r>
+          </a:p>
+        </p:txBody>
+      </p:sp>
+    </p:spTree>
+    <p:extLst>
+      <p:ext uri="{BB962C8B-B14F-4D97-AF65-F5344CB8AC3E}">
+        <p14:creationId xmlns:p14="http://schemas.microsoft.com/office/powerpoint/2010/main" val="1922635405"/>
+      </p:ext>
+    </p:extLst>
+  </p:cSld>
+  <p:clrMapOvr>
+    <a:masterClrMapping/>
+  </p:clrMapOvr>
+</p:sld>
+</file>
+
+<file path=ppt/slides/slide12.xml><?xml version="1.0" encoding="utf-8"?>
+<p:sld xmlns:a="http://schemas.openxmlformats.org/drawingml/2006/main" xmlns:r="http://schemas.openxmlformats.org/officeDocument/2006/relationships" xmlns:p="http://schemas.openxmlformats.org/presentationml/2006/main">
+  <p:cSld>
+    <p:bg>
+      <p:bgPr>
+        <a:solidFill>
+          <a:schemeClr val="bg1"/>
+        </a:solidFill>
+        <a:effectLst/>
+      </p:bgPr>
+    </p:bg>
+    <p:spTree>
+      <p:nvGrpSpPr>
+        <p:cNvPr id="1" name=""/>
+        <p:cNvGrpSpPr/>
+        <p:nvPr/>
+      </p:nvGrpSpPr>
+      <p:grpSpPr>
+        <a:xfrm>
+          <a:off x="0" y="0"/>
+          <a:ext cx="0" cy="0"/>
+          <a:chOff x="0" y="0"/>
+          <a:chExt cx="0" cy="0"/>
+        </a:xfrm>
+      </p:grpSpPr>
+      <p:sp>
+        <p:nvSpPr>
+          <p:cNvPr id="73" name="Rectangle 72">
+            <a:extLst>
+              <a:ext uri="{FF2B5EF4-FFF2-40B4-BE49-F238E27FC236}">
+                <a16:creationId xmlns:a16="http://schemas.microsoft.com/office/drawing/2014/main" id="{C7695FE5-79DD-4ACA-ABEA-BC94D993C4F3}"/>
+              </a:ext>
+              <a:ext uri="{C183D7F6-B498-43B3-948B-1728B52AA6E4}">
+                <adec:decorative xmlns:adec="http://schemas.microsoft.com/office/drawing/2017/decorative" val="1"/>
+              </a:ext>
+            </a:extLst>
+          </p:cNvPr>
+          <p:cNvSpPr>
+            <a:spLocks noGrp="1" noRot="1" noChangeAspect="1" noMove="1" noResize="1" noEditPoints="1" noAdjustHandles="1" noChangeArrowheads="1" noChangeShapeType="1" noTextEdit="1"/>
+          </p:cNvSpPr>
+          <p:nvPr>
+            <p:extLst>
+              <p:ext uri="{386F3935-93C4-4BCD-93E2-E3B085C9AB24}">
+                <p16:designElem xmlns:p16="http://schemas.microsoft.com/office/powerpoint/2015/main" val="1"/>
+              </p:ext>
+            </p:extLst>
+          </p:nvPr>
+        </p:nvSpPr>
+        <p:spPr>
+          <a:xfrm>
+            <a:off x="0" y="759599"/>
+            <a:ext cx="5608255" cy="5334001"/>
+          </a:xfrm>
+          <a:prstGeom prst="rect">
+            <a:avLst/>
+          </a:prstGeom>
+          <a:solidFill>
+            <a:schemeClr val="accent1"/>
+          </a:solidFill>
+          <a:ln>
+            <a:noFill/>
+          </a:ln>
+        </p:spPr>
+        <p:style>
+          <a:lnRef idx="2">
+            <a:schemeClr val="accent1">
+              <a:shade val="50000"/>
+            </a:schemeClr>
+          </a:lnRef>
+          <a:fillRef idx="1">
+            <a:schemeClr val="accent1"/>
+          </a:fillRef>
+          <a:effectRef idx="0">
+            <a:schemeClr val="accent1"/>
+          </a:effectRef>
+          <a:fontRef idx="minor">
+            <a:schemeClr val="lt1"/>
+          </a:fontRef>
+        </p:style>
+      </p:sp>
+      <p:sp>
+        <p:nvSpPr>
+          <p:cNvPr id="2" name="Title 1">
+            <a:extLst>
+              <a:ext uri="{FF2B5EF4-FFF2-40B4-BE49-F238E27FC236}">
+                <a16:creationId xmlns:a16="http://schemas.microsoft.com/office/drawing/2014/main" id="{14E7FC7C-A2BE-4FD5-A8A7-004474A3C50F}"/>
+              </a:ext>
+            </a:extLst>
+          </p:cNvPr>
+          <p:cNvSpPr>
+            <a:spLocks noGrp="1"/>
+          </p:cNvSpPr>
+          <p:nvPr>
+            <p:ph type="title"/>
+          </p:nvPr>
+        </p:nvSpPr>
+        <p:spPr>
+          <a:xfrm>
+            <a:off x="289248" y="1123837"/>
+            <a:ext cx="4998963" cy="1255469"/>
+          </a:xfrm>
+        </p:spPr>
+        <p:txBody>
+          <a:bodyPr>
+            <a:normAutofit/>
+          </a:bodyPr>
+          <a:lstStyle/>
+          <a:p>
+            <a:r>
+              <a:rPr lang="en-GB" dirty="0"/>
+              <a:t>Results</a:t>
+            </a:r>
+            <a:endParaRPr lang="en-IE" dirty="0"/>
+          </a:p>
+        </p:txBody>
+      </p:sp>
+      <p:sp>
+        <p:nvSpPr>
+          <p:cNvPr id="3" name="Content Placeholder 2">
+            <a:extLst>
+              <a:ext uri="{FF2B5EF4-FFF2-40B4-BE49-F238E27FC236}">
+                <a16:creationId xmlns:a16="http://schemas.microsoft.com/office/drawing/2014/main" id="{2532AD3B-5440-42B7-9440-48C5C0116AF0}"/>
+              </a:ext>
+            </a:extLst>
+          </p:cNvPr>
+          <p:cNvSpPr>
+            <a:spLocks noGrp="1"/>
+          </p:cNvSpPr>
+          <p:nvPr>
+            <p:ph idx="1"/>
+          </p:nvPr>
+        </p:nvSpPr>
+        <p:spPr>
+          <a:xfrm>
+            <a:off x="289249" y="2510395"/>
+            <a:ext cx="4998962" cy="3274586"/>
+          </a:xfrm>
+        </p:spPr>
+        <p:txBody>
+          <a:bodyPr anchor="t">
+            <a:normAutofit/>
+          </a:bodyPr>
+          <a:lstStyle/>
+          <a:p>
+            <a:r>
+              <a:rPr lang="en-GB" dirty="0">
+                <a:solidFill>
+                  <a:srgbClr val="FFFFFF"/>
+                </a:solidFill>
+              </a:rPr>
+              <a:t>Backpropagation</a:t>
+            </a:r>
+          </a:p>
+          <a:p>
+            <a:pPr lvl="1"/>
+            <a:r>
+              <a:rPr lang="en-GB" dirty="0">
+                <a:solidFill>
+                  <a:srgbClr val="FFFFFF"/>
+                </a:solidFill>
+              </a:rPr>
+              <a:t>Easier and quicker to implement</a:t>
+            </a:r>
+          </a:p>
+          <a:p>
+            <a:pPr lvl="1"/>
+            <a:r>
+              <a:rPr lang="en-GB" dirty="0">
+                <a:solidFill>
+                  <a:srgbClr val="FFFFFF"/>
+                </a:solidFill>
+              </a:rPr>
+              <a:t>Without using TensorFlow may take significantly longer</a:t>
+            </a:r>
+          </a:p>
+          <a:p>
+            <a:r>
+              <a:rPr lang="en-GB" dirty="0">
+                <a:solidFill>
+                  <a:srgbClr val="FFFFFF"/>
+                </a:solidFill>
+              </a:rPr>
+              <a:t>Reinforcement </a:t>
+            </a:r>
+          </a:p>
+          <a:p>
+            <a:pPr lvl="1"/>
+            <a:r>
+              <a:rPr lang="en-GB" dirty="0">
+                <a:solidFill>
+                  <a:srgbClr val="FFFFFF"/>
+                </a:solidFill>
+              </a:rPr>
+              <a:t>Took a lot longer as I wrote the algorithm from scratch</a:t>
+            </a:r>
+          </a:p>
+          <a:p>
+            <a:pPr lvl="1"/>
+            <a:r>
+              <a:rPr lang="en-GB" dirty="0">
+                <a:solidFill>
+                  <a:srgbClr val="FFFFFF"/>
+                </a:solidFill>
+              </a:rPr>
+              <a:t>Took a lot of research and debugging to implement successfully </a:t>
+            </a:r>
+          </a:p>
+          <a:p>
+            <a:endParaRPr lang="en-IE" dirty="0">
+              <a:solidFill>
+                <a:srgbClr val="FFFFFF"/>
+              </a:solidFill>
+            </a:endParaRPr>
+          </a:p>
+        </p:txBody>
+      </p:sp>
+      <p:pic>
+        <p:nvPicPr>
+          <p:cNvPr id="6" name="Picture 5" descr="Chart, bar chart, waterfall chart&#10;&#10;Description automatically generated">
+            <a:extLst>
+              <a:ext uri="{FF2B5EF4-FFF2-40B4-BE49-F238E27FC236}">
+                <a16:creationId xmlns:a16="http://schemas.microsoft.com/office/drawing/2014/main" id="{B55C918C-B57C-47D3-BC7E-56401F637E36}"/>
+              </a:ext>
+            </a:extLst>
+          </p:cNvPr>
+          <p:cNvPicPr>
+            <a:picLocks noChangeAspect="1"/>
+          </p:cNvPicPr>
+          <p:nvPr/>
+        </p:nvPicPr>
+        <p:blipFill>
+          <a:blip r:embed="rId2">
+            <a:extLst>
+              <a:ext uri="{28A0092B-C50C-407E-A947-70E740481C1C}">
+                <a14:useLocalDpi xmlns:a14="http://schemas.microsoft.com/office/drawing/2010/main" val="0"/>
+              </a:ext>
+            </a:extLst>
+          </a:blip>
+          <a:stretch>
+            <a:fillRect/>
+          </a:stretch>
+        </p:blipFill>
+        <p:spPr>
+          <a:xfrm>
+            <a:off x="6092890" y="2128435"/>
+            <a:ext cx="5238340" cy="2592977"/>
+          </a:xfrm>
+          <a:prstGeom prst="rect">
+            <a:avLst/>
+          </a:prstGeom>
+        </p:spPr>
+      </p:pic>
+      <p:sp>
+        <p:nvSpPr>
+          <p:cNvPr id="4" name="TextBox 3">
+            <a:extLst>
+              <a:ext uri="{FF2B5EF4-FFF2-40B4-BE49-F238E27FC236}">
+                <a16:creationId xmlns:a16="http://schemas.microsoft.com/office/drawing/2014/main" id="{EC758F69-9EFE-4C5E-82C5-AB70C4A80DBA}"/>
+              </a:ext>
+            </a:extLst>
+          </p:cNvPr>
+          <p:cNvSpPr txBox="1"/>
+          <p:nvPr/>
+        </p:nvSpPr>
+        <p:spPr>
+          <a:xfrm>
+            <a:off x="289248" y="2048730"/>
+            <a:ext cx="7315200" cy="461665"/>
+          </a:xfrm>
+          <a:prstGeom prst="rect">
+            <a:avLst/>
+          </a:prstGeom>
+          <a:noFill/>
+        </p:spPr>
+        <p:txBody>
+          <a:bodyPr wrap="square" rtlCol="0">
+            <a:spAutoFit/>
+          </a:bodyPr>
+          <a:lstStyle/>
+          <a:p>
+            <a:pPr>
+              <a:spcAft>
+                <a:spcPts val="600"/>
+              </a:spcAft>
+            </a:pPr>
+            <a:r>
+              <a:rPr lang="en-GB" sz="2400" dirty="0">
+                <a:solidFill>
+                  <a:schemeClr val="tx1">
+                    <a:lumMod val="75000"/>
+                    <a:lumOff val="25000"/>
+                  </a:schemeClr>
+                </a:solidFill>
+              </a:rPr>
+              <a:t>Ease of Implementation</a:t>
+            </a:r>
+            <a:endParaRPr lang="en-IE" sz="2000" dirty="0">
+              <a:solidFill>
+                <a:schemeClr val="tx1">
+                  <a:lumMod val="75000"/>
+                  <a:lumOff val="25000"/>
+                </a:schemeClr>
+              </a:solidFill>
+            </a:endParaRPr>
+          </a:p>
+        </p:txBody>
+      </p:sp>
+      <p:sp>
+        <p:nvSpPr>
+          <p:cNvPr id="7" name="Slide Number Placeholder 6">
+            <a:extLst>
+              <a:ext uri="{FF2B5EF4-FFF2-40B4-BE49-F238E27FC236}">
+                <a16:creationId xmlns:a16="http://schemas.microsoft.com/office/drawing/2014/main" id="{7A460A9E-25DF-4242-92FB-068CEA8C0607}"/>
+              </a:ext>
+            </a:extLst>
+          </p:cNvPr>
+          <p:cNvSpPr>
+            <a:spLocks noGrp="1"/>
+          </p:cNvSpPr>
+          <p:nvPr>
+            <p:ph type="sldNum" sz="quarter" idx="12"/>
+          </p:nvPr>
+        </p:nvSpPr>
+        <p:spPr/>
+        <p:txBody>
+          <a:bodyPr/>
+          <a:lstStyle/>
+          <a:p>
+            <a:fld id="{3BC720E8-28BF-4CEC-8769-AB7BFC6EBAD8}" type="slidenum">
+              <a:rPr lang="en-IE" smtClean="0"/>
+              <a:t>12</a:t>
+            </a:fld>
+            <a:r>
+              <a:rPr lang="en-IE" dirty="0"/>
+              <a:t>/16</a:t>
+            </a:r>
+          </a:p>
+        </p:txBody>
+      </p:sp>
+    </p:spTree>
+    <p:extLst>
+      <p:ext uri="{BB962C8B-B14F-4D97-AF65-F5344CB8AC3E}">
+        <p14:creationId xmlns:p14="http://schemas.microsoft.com/office/powerpoint/2010/main" val="3561595812"/>
+      </p:ext>
+    </p:extLst>
+  </p:cSld>
+  <p:clrMapOvr>
+    <a:masterClrMapping/>
+  </p:clrMapOvr>
+</p:sld>
+</file>
+
+<file path=ppt/slides/slide13.xml><?xml version="1.0" encoding="utf-8"?>
+<p:sld xmlns:a="http://schemas.openxmlformats.org/drawingml/2006/main" xmlns:r="http://schemas.openxmlformats.org/officeDocument/2006/relationships" xmlns:p="http://schemas.openxmlformats.org/presentationml/2006/main">
+  <p:cSld>
+    <p:bg>
+      <p:bgPr>
+        <a:solidFill>
+          <a:schemeClr val="bg1"/>
+        </a:solidFill>
+        <a:effectLst/>
+      </p:bgPr>
+    </p:bg>
+    <p:spTree>
+      <p:nvGrpSpPr>
+        <p:cNvPr id="1" name=""/>
+        <p:cNvGrpSpPr/>
+        <p:nvPr/>
+      </p:nvGrpSpPr>
+      <p:grpSpPr>
+        <a:xfrm>
+          <a:off x="0" y="0"/>
+          <a:ext cx="0" cy="0"/>
+          <a:chOff x="0" y="0"/>
+          <a:chExt cx="0" cy="0"/>
+        </a:xfrm>
+      </p:grpSpPr>
+      <p:sp>
+        <p:nvSpPr>
+          <p:cNvPr id="76" name="Rectangle 75">
+            <a:extLst>
+              <a:ext uri="{FF2B5EF4-FFF2-40B4-BE49-F238E27FC236}">
+                <a16:creationId xmlns:a16="http://schemas.microsoft.com/office/drawing/2014/main" id="{C7695FE5-79DD-4ACA-ABEA-BC94D993C4F3}"/>
+              </a:ext>
+              <a:ext uri="{C183D7F6-B498-43B3-948B-1728B52AA6E4}">
+                <adec:decorative xmlns:adec="http://schemas.microsoft.com/office/drawing/2017/decorative" val="1"/>
+              </a:ext>
+            </a:extLst>
+          </p:cNvPr>
+          <p:cNvSpPr>
+            <a:spLocks noGrp="1" noRot="1" noChangeAspect="1" noMove="1" noResize="1" noEditPoints="1" noAdjustHandles="1" noChangeArrowheads="1" noChangeShapeType="1" noTextEdit="1"/>
+          </p:cNvSpPr>
+          <p:nvPr>
+            <p:extLst>
+              <p:ext uri="{386F3935-93C4-4BCD-93E2-E3B085C9AB24}">
+                <p16:designElem xmlns:p16="http://schemas.microsoft.com/office/powerpoint/2015/main" val="1"/>
+              </p:ext>
+            </p:extLst>
+          </p:nvPr>
+        </p:nvSpPr>
+        <p:spPr>
+          <a:xfrm>
+            <a:off x="0" y="759599"/>
+            <a:ext cx="5608255" cy="5334001"/>
+          </a:xfrm>
+          <a:prstGeom prst="rect">
+            <a:avLst/>
+          </a:prstGeom>
+          <a:solidFill>
+            <a:schemeClr val="accent1"/>
+          </a:solidFill>
+          <a:ln>
+            <a:noFill/>
+          </a:ln>
+        </p:spPr>
+        <p:style>
+          <a:lnRef idx="2">
+            <a:schemeClr val="accent1">
+              <a:shade val="50000"/>
+            </a:schemeClr>
+          </a:lnRef>
+          <a:fillRef idx="1">
+            <a:schemeClr val="accent1"/>
+          </a:fillRef>
+          <a:effectRef idx="0">
+            <a:schemeClr val="accent1"/>
+          </a:effectRef>
+          <a:fontRef idx="minor">
+            <a:schemeClr val="lt1"/>
+          </a:fontRef>
+        </p:style>
+      </p:sp>
+      <p:sp>
+        <p:nvSpPr>
+          <p:cNvPr id="2" name="Title 1">
+            <a:extLst>
+              <a:ext uri="{FF2B5EF4-FFF2-40B4-BE49-F238E27FC236}">
+                <a16:creationId xmlns:a16="http://schemas.microsoft.com/office/drawing/2014/main" id="{14E7FC7C-A2BE-4FD5-A8A7-004474A3C50F}"/>
+              </a:ext>
+            </a:extLst>
+          </p:cNvPr>
+          <p:cNvSpPr>
+            <a:spLocks noGrp="1"/>
+          </p:cNvSpPr>
+          <p:nvPr>
+            <p:ph type="title"/>
+          </p:nvPr>
+        </p:nvSpPr>
+        <p:spPr>
+          <a:xfrm>
+            <a:off x="289248" y="1123837"/>
+            <a:ext cx="4998963" cy="1255469"/>
+          </a:xfrm>
+        </p:spPr>
+        <p:txBody>
+          <a:bodyPr>
+            <a:normAutofit/>
+          </a:bodyPr>
+          <a:lstStyle/>
+          <a:p>
+            <a:r>
+              <a:rPr lang="en-GB" dirty="0"/>
+              <a:t>Results</a:t>
+            </a:r>
+            <a:endParaRPr lang="en-IE" dirty="0"/>
+          </a:p>
+        </p:txBody>
+      </p:sp>
+      <p:sp>
+        <p:nvSpPr>
+          <p:cNvPr id="3" name="Content Placeholder 2">
+            <a:extLst>
+              <a:ext uri="{FF2B5EF4-FFF2-40B4-BE49-F238E27FC236}">
+                <a16:creationId xmlns:a16="http://schemas.microsoft.com/office/drawing/2014/main" id="{2532AD3B-5440-42B7-9440-48C5C0116AF0}"/>
+              </a:ext>
+            </a:extLst>
+          </p:cNvPr>
+          <p:cNvSpPr>
+            <a:spLocks noGrp="1"/>
+          </p:cNvSpPr>
+          <p:nvPr>
+            <p:ph idx="1"/>
+          </p:nvPr>
+        </p:nvSpPr>
+        <p:spPr>
+          <a:xfrm>
+            <a:off x="289249" y="2510395"/>
+            <a:ext cx="4998962" cy="3274586"/>
+          </a:xfrm>
+        </p:spPr>
+        <p:txBody>
+          <a:bodyPr anchor="t">
+            <a:normAutofit/>
+          </a:bodyPr>
+          <a:lstStyle/>
+          <a:p>
+            <a:r>
+              <a:rPr lang="en-GB" dirty="0">
+                <a:solidFill>
+                  <a:srgbClr val="FFFFFF"/>
+                </a:solidFill>
+              </a:rPr>
+              <a:t>Backpropagation</a:t>
+            </a:r>
+          </a:p>
+          <a:p>
+            <a:pPr lvl="1"/>
+            <a:r>
+              <a:rPr lang="en-GB" dirty="0">
+                <a:solidFill>
+                  <a:srgbClr val="FFFFFF"/>
+                </a:solidFill>
+              </a:rPr>
+              <a:t>Slower overall</a:t>
+            </a:r>
+          </a:p>
+          <a:p>
+            <a:r>
+              <a:rPr lang="en-GB" dirty="0">
+                <a:solidFill>
+                  <a:srgbClr val="FFFFFF"/>
+                </a:solidFill>
+              </a:rPr>
+              <a:t>Reinforcement </a:t>
+            </a:r>
+          </a:p>
+          <a:p>
+            <a:pPr lvl="1"/>
+            <a:r>
+              <a:rPr lang="en-GB" dirty="0">
+                <a:solidFill>
+                  <a:srgbClr val="FFFFFF"/>
+                </a:solidFill>
+              </a:rPr>
+              <a:t>Faster </a:t>
+            </a:r>
+          </a:p>
+          <a:p>
+            <a:pPr lvl="1"/>
+            <a:r>
+              <a:rPr lang="en-GB" dirty="0">
+                <a:solidFill>
+                  <a:srgbClr val="FFFFFF"/>
+                </a:solidFill>
+              </a:rPr>
+              <a:t>Could get stuck, resulting in invalid data</a:t>
+            </a:r>
+          </a:p>
+          <a:p>
+            <a:endParaRPr lang="en-IE" dirty="0">
+              <a:solidFill>
+                <a:srgbClr val="FFFFFF"/>
+              </a:solidFill>
+            </a:endParaRPr>
+          </a:p>
+        </p:txBody>
+      </p:sp>
+      <p:pic>
+        <p:nvPicPr>
+          <p:cNvPr id="6" name="Picture 5">
+            <a:extLst>
+              <a:ext uri="{FF2B5EF4-FFF2-40B4-BE49-F238E27FC236}">
+                <a16:creationId xmlns:a16="http://schemas.microsoft.com/office/drawing/2014/main" id="{937408DE-BC3A-4F8F-A8D1-A31D18203810}"/>
+              </a:ext>
+            </a:extLst>
+          </p:cNvPr>
+          <p:cNvPicPr>
+            <a:picLocks noChangeAspect="1"/>
+          </p:cNvPicPr>
+          <p:nvPr/>
+        </p:nvPicPr>
+        <p:blipFill>
+          <a:blip r:embed="rId2"/>
+          <a:stretch>
+            <a:fillRect/>
+          </a:stretch>
+        </p:blipFill>
+        <p:spPr>
+          <a:xfrm>
+            <a:off x="6092890" y="1846874"/>
+            <a:ext cx="5238340" cy="3156099"/>
+          </a:xfrm>
+          <a:prstGeom prst="rect">
+            <a:avLst/>
+          </a:prstGeom>
+        </p:spPr>
+      </p:pic>
+      <p:sp>
+        <p:nvSpPr>
+          <p:cNvPr id="4" name="TextBox 3">
+            <a:extLst>
+              <a:ext uri="{FF2B5EF4-FFF2-40B4-BE49-F238E27FC236}">
+                <a16:creationId xmlns:a16="http://schemas.microsoft.com/office/drawing/2014/main" id="{EC758F69-9EFE-4C5E-82C5-AB70C4A80DBA}"/>
+              </a:ext>
+            </a:extLst>
+          </p:cNvPr>
+          <p:cNvSpPr txBox="1"/>
+          <p:nvPr/>
+        </p:nvSpPr>
+        <p:spPr>
+          <a:xfrm>
+            <a:off x="289248" y="2048730"/>
+            <a:ext cx="7315200" cy="461665"/>
+          </a:xfrm>
+          <a:prstGeom prst="rect">
+            <a:avLst/>
+          </a:prstGeom>
+          <a:noFill/>
+        </p:spPr>
+        <p:txBody>
+          <a:bodyPr wrap="square" rtlCol="0">
+            <a:spAutoFit/>
+          </a:bodyPr>
+          <a:lstStyle/>
+          <a:p>
+            <a:pPr>
+              <a:spcAft>
+                <a:spcPts val="600"/>
+              </a:spcAft>
+            </a:pPr>
+            <a:r>
+              <a:rPr lang="en-GB" sz="2400" dirty="0">
+                <a:solidFill>
+                  <a:schemeClr val="tx1">
+                    <a:lumMod val="75000"/>
+                    <a:lumOff val="25000"/>
+                  </a:schemeClr>
+                </a:solidFill>
+              </a:rPr>
+              <a:t>Lap Times</a:t>
+            </a:r>
+            <a:endParaRPr lang="en-IE" sz="2000" dirty="0">
+              <a:solidFill>
+                <a:schemeClr val="tx1">
+                  <a:lumMod val="75000"/>
+                  <a:lumOff val="25000"/>
+                </a:schemeClr>
+              </a:solidFill>
+            </a:endParaRPr>
+          </a:p>
+        </p:txBody>
+      </p:sp>
+      <p:sp>
+        <p:nvSpPr>
+          <p:cNvPr id="7" name="Slide Number Placeholder 6">
+            <a:extLst>
+              <a:ext uri="{FF2B5EF4-FFF2-40B4-BE49-F238E27FC236}">
+                <a16:creationId xmlns:a16="http://schemas.microsoft.com/office/drawing/2014/main" id="{8BA8989F-4D90-4635-9226-F3190917DF5F}"/>
+              </a:ext>
+            </a:extLst>
+          </p:cNvPr>
+          <p:cNvSpPr>
+            <a:spLocks noGrp="1"/>
+          </p:cNvSpPr>
+          <p:nvPr>
+            <p:ph type="sldNum" sz="quarter" idx="12"/>
+          </p:nvPr>
+        </p:nvSpPr>
+        <p:spPr/>
+        <p:txBody>
+          <a:bodyPr/>
+          <a:lstStyle/>
+          <a:p>
+            <a:fld id="{3BC720E8-28BF-4CEC-8769-AB7BFC6EBAD8}" type="slidenum">
+              <a:rPr lang="en-IE" smtClean="0"/>
+              <a:t>13</a:t>
+            </a:fld>
+            <a:r>
+              <a:rPr lang="en-IE" dirty="0"/>
+              <a:t>/16</a:t>
+            </a:r>
+          </a:p>
+        </p:txBody>
+      </p:sp>
+    </p:spTree>
+    <p:extLst>
+      <p:ext uri="{BB962C8B-B14F-4D97-AF65-F5344CB8AC3E}">
+        <p14:creationId xmlns:p14="http://schemas.microsoft.com/office/powerpoint/2010/main" val="531323156"/>
+      </p:ext>
+    </p:extLst>
+  </p:cSld>
+  <p:clrMapOvr>
+    <a:masterClrMapping/>
+  </p:clrMapOvr>
+</p:sld>
+</file>
+
+<file path=ppt/slides/slide14.xml><?xml version="1.0" encoding="utf-8"?>
 <p:sld xmlns:a="http://schemas.openxmlformats.org/drawingml/2006/main" xmlns:r="http://schemas.openxmlformats.org/officeDocument/2006/relationships" xmlns:p="http://schemas.openxmlformats.org/presentationml/2006/main">
   <p:cSld>
     <p:spTree>
@@ -3640,7 +5343,7 @@
           <p:cNvPr id="2" name="Title 1">
             <a:extLst>
               <a:ext uri="{FF2B5EF4-FFF2-40B4-BE49-F238E27FC236}">
-                <a16:creationId xmlns:a16="http://schemas.microsoft.com/office/drawing/2014/main" id="{965DB0FB-25B2-404F-A8A9-2473F349C6A1}"/>
+                <a16:creationId xmlns:a16="http://schemas.microsoft.com/office/drawing/2014/main" id="{8505986F-4599-40E4-A098-E0A49C0E047E}"/>
               </a:ext>
             </a:extLst>
           </p:cNvPr>
@@ -3658,7 +5361,7 @@
           <a:p>
             <a:r>
               <a:rPr lang="en-GB" dirty="0"/>
-              <a:t>Conclusion</a:t>
+              <a:t>Review</a:t>
             </a:r>
             <a:endParaRPr lang="en-IE" dirty="0"/>
           </a:p>
@@ -3669,7 +5372,7 @@
           <p:cNvPr id="3" name="Content Placeholder 2">
             <a:extLst>
               <a:ext uri="{FF2B5EF4-FFF2-40B4-BE49-F238E27FC236}">
-                <a16:creationId xmlns:a16="http://schemas.microsoft.com/office/drawing/2014/main" id="{682773E5-5997-4B69-A64F-677DDF418BD6}"/>
+                <a16:creationId xmlns:a16="http://schemas.microsoft.com/office/drawing/2014/main" id="{A0835D20-1BAE-4CA5-A6C8-00EF301AAD4E}"/>
               </a:ext>
             </a:extLst>
           </p:cNvPr>
@@ -3687,32 +5390,65 @@
           <a:p>
             <a:r>
               <a:rPr lang="en-GB" dirty="0"/>
-              <a:t>Based on my findings, I conclude:</a:t>
-            </a:r>
-          </a:p>
-          <a:p>
-            <a:pPr lvl="1"/>
+              <a:t>Took a lot of time to learn about neural networks and the learning methods</a:t>
+            </a:r>
+          </a:p>
+          <a:p>
             <a:r>
               <a:rPr lang="en-GB" dirty="0"/>
-              <a:t>Backpropagation is easier to implement and train, however results in a less accurate model.</a:t>
-            </a:r>
-          </a:p>
-          <a:p>
-            <a:pPr lvl="1"/>
-            <a:r>
-              <a:rPr lang="en-GB" dirty="0"/>
-              <a:t>Reinforcement learning (Deep Q- learning) takes significantly longer to train but results in a more accurate model overall. </a:t>
-            </a:r>
-          </a:p>
-          <a:p>
-            <a:endParaRPr lang="en-IE" dirty="0"/>
+              <a:t>Constantly changed network architecture</a:t>
+            </a:r>
+          </a:p>
+          <a:p>
+            <a:r>
+              <a:rPr lang="en-IE" dirty="0"/>
+              <a:t>I am happy with the technologies chosen</a:t>
+            </a:r>
+          </a:p>
+          <a:p>
+            <a:r>
+              <a:rPr lang="en-IE" dirty="0"/>
+              <a:t>Reinforcement learning’s weights adjustment slightly inaccurate</a:t>
+            </a:r>
+          </a:p>
+        </p:txBody>
+      </p:sp>
+      <p:sp>
+        <p:nvSpPr>
+          <p:cNvPr id="4" name="Slide Number Placeholder 3">
+            <a:extLst>
+              <a:ext uri="{FF2B5EF4-FFF2-40B4-BE49-F238E27FC236}">
+                <a16:creationId xmlns:a16="http://schemas.microsoft.com/office/drawing/2014/main" id="{D8CFB624-6B76-4F88-B8D6-0CCF6E9D96A5}"/>
+              </a:ext>
+            </a:extLst>
+          </p:cNvPr>
+          <p:cNvSpPr>
+            <a:spLocks noGrp="1"/>
+          </p:cNvSpPr>
+          <p:nvPr>
+            <p:ph type="sldNum" sz="quarter" idx="12"/>
+          </p:nvPr>
+        </p:nvSpPr>
+        <p:spPr/>
+        <p:txBody>
+          <a:bodyPr/>
+          <a:lstStyle/>
+          <a:p>
+            <a:fld id="{3BC720E8-28BF-4CEC-8769-AB7BFC6EBAD8}" type="slidenum">
+              <a:rPr lang="en-IE" smtClean="0"/>
+              <a:t>14</a:t>
+            </a:fld>
+            <a:r>
+              <a:rPr lang="en-IE" dirty="0"/>
+              <a:t>/16</a:t>
+            </a:r>
           </a:p>
         </p:txBody>
       </p:sp>
     </p:spTree>
     <p:extLst>
       <p:ext uri="{BB962C8B-B14F-4D97-AF65-F5344CB8AC3E}">
-        <p14:creationId xmlns:p14="http://schemas.microsoft.com/office/powerpoint/2010/main" val="3970129115"/>
+        <p14:creationId xmlns:p14="http://schemas.microsoft.com/office/powerpoint/2010/main" val="2035851360"/>
       </p:ext>
     </p:extLst>
   </p:cSld>
@@ -3722,7 +5458,7 @@
 </p:sld>
 </file>
 
-<file path=ppt/slides/slide12.xml><?xml version="1.0" encoding="utf-8"?>
+<file path=ppt/slides/slide15.xml><?xml version="1.0" encoding="utf-8"?>
 <p:sld xmlns:a="http://schemas.openxmlformats.org/drawingml/2006/main" xmlns:r="http://schemas.openxmlformats.org/officeDocument/2006/relationships" xmlns:p="http://schemas.openxmlformats.org/presentationml/2006/main">
   <p:cSld>
     <p:spTree>
@@ -3744,6 +5480,147 @@
           <p:cNvPr id="2" name="Title 1">
             <a:extLst>
               <a:ext uri="{FF2B5EF4-FFF2-40B4-BE49-F238E27FC236}">
+                <a16:creationId xmlns:a16="http://schemas.microsoft.com/office/drawing/2014/main" id="{097A2E31-D15F-46F0-A429-2F1FC0F831E4}"/>
+              </a:ext>
+            </a:extLst>
+          </p:cNvPr>
+          <p:cNvSpPr>
+            <a:spLocks noGrp="1"/>
+          </p:cNvSpPr>
+          <p:nvPr>
+            <p:ph type="title"/>
+          </p:nvPr>
+        </p:nvSpPr>
+        <p:spPr/>
+        <p:txBody>
+          <a:bodyPr/>
+          <a:lstStyle/>
+          <a:p>
+            <a:r>
+              <a:rPr lang="en-GB" dirty="0"/>
+              <a:t>What I Would do Differently</a:t>
+            </a:r>
+            <a:endParaRPr lang="en-IE" dirty="0"/>
+          </a:p>
+        </p:txBody>
+      </p:sp>
+      <p:sp>
+        <p:nvSpPr>
+          <p:cNvPr id="3" name="Content Placeholder 2">
+            <a:extLst>
+              <a:ext uri="{FF2B5EF4-FFF2-40B4-BE49-F238E27FC236}">
+                <a16:creationId xmlns:a16="http://schemas.microsoft.com/office/drawing/2014/main" id="{19E79EFA-EB4D-4363-B621-F7D9E5FBB8CD}"/>
+              </a:ext>
+            </a:extLst>
+          </p:cNvPr>
+          <p:cNvSpPr>
+            <a:spLocks noGrp="1"/>
+          </p:cNvSpPr>
+          <p:nvPr>
+            <p:ph idx="1"/>
+          </p:nvPr>
+        </p:nvSpPr>
+        <p:spPr/>
+        <p:txBody>
+          <a:bodyPr/>
+          <a:lstStyle/>
+          <a:p>
+            <a:r>
+              <a:rPr lang="en-GB" dirty="0"/>
+              <a:t>Program the entire project in Python</a:t>
+            </a:r>
+          </a:p>
+          <a:p>
+            <a:r>
+              <a:rPr lang="en-GB" dirty="0"/>
+              <a:t>Research into different machine learning libraries</a:t>
+            </a:r>
+          </a:p>
+          <a:p>
+            <a:r>
+              <a:rPr lang="en-GB" dirty="0"/>
+              <a:t>Start working on reinforcement learning earlier</a:t>
+            </a:r>
+          </a:p>
+          <a:p>
+            <a:r>
+              <a:rPr lang="en-IE" dirty="0"/>
+              <a:t>Take more time on reinforcement learning than backpropagation</a:t>
+            </a:r>
+          </a:p>
+          <a:p>
+            <a:endParaRPr lang="en-IE" dirty="0"/>
+          </a:p>
+        </p:txBody>
+      </p:sp>
+      <p:sp>
+        <p:nvSpPr>
+          <p:cNvPr id="4" name="Slide Number Placeholder 3">
+            <a:extLst>
+              <a:ext uri="{FF2B5EF4-FFF2-40B4-BE49-F238E27FC236}">
+                <a16:creationId xmlns:a16="http://schemas.microsoft.com/office/drawing/2014/main" id="{CFF13F38-A60C-4534-AA32-5C8281424752}"/>
+              </a:ext>
+            </a:extLst>
+          </p:cNvPr>
+          <p:cNvSpPr>
+            <a:spLocks noGrp="1"/>
+          </p:cNvSpPr>
+          <p:nvPr>
+            <p:ph type="sldNum" sz="quarter" idx="12"/>
+          </p:nvPr>
+        </p:nvSpPr>
+        <p:spPr/>
+        <p:txBody>
+          <a:bodyPr/>
+          <a:lstStyle/>
+          <a:p>
+            <a:fld id="{3BC720E8-28BF-4CEC-8769-AB7BFC6EBAD8}" type="slidenum">
+              <a:rPr lang="en-IE" smtClean="0"/>
+              <a:pPr/>
+              <a:t>15</a:t>
+            </a:fld>
+            <a:r>
+              <a:rPr lang="en-IE" dirty="0"/>
+              <a:t>/16</a:t>
+            </a:r>
+          </a:p>
+        </p:txBody>
+      </p:sp>
+    </p:spTree>
+    <p:extLst>
+      <p:ext uri="{BB962C8B-B14F-4D97-AF65-F5344CB8AC3E}">
+        <p14:creationId xmlns:p14="http://schemas.microsoft.com/office/powerpoint/2010/main" val="1490439687"/>
+      </p:ext>
+    </p:extLst>
+  </p:cSld>
+  <p:clrMapOvr>
+    <a:masterClrMapping/>
+  </p:clrMapOvr>
+</p:sld>
+</file>
+
+<file path=ppt/slides/slide16.xml><?xml version="1.0" encoding="utf-8"?>
+<p:sld xmlns:a="http://schemas.openxmlformats.org/drawingml/2006/main" xmlns:r="http://schemas.openxmlformats.org/officeDocument/2006/relationships" xmlns:p="http://schemas.openxmlformats.org/presentationml/2006/main">
+  <p:cSld>
+    <p:spTree>
+      <p:nvGrpSpPr>
+        <p:cNvPr id="1" name=""/>
+        <p:cNvGrpSpPr/>
+        <p:nvPr/>
+      </p:nvGrpSpPr>
+      <p:grpSpPr>
+        <a:xfrm>
+          <a:off x="0" y="0"/>
+          <a:ext cx="0" cy="0"/>
+          <a:chOff x="0" y="0"/>
+          <a:chExt cx="0" cy="0"/>
+        </a:xfrm>
+      </p:grpSpPr>
+      <p:sp>
+        <p:nvSpPr>
+          <p:cNvPr id="2" name="Title 1">
+            <a:extLst>
+              <a:ext uri="{FF2B5EF4-FFF2-40B4-BE49-F238E27FC236}">
                 <a16:creationId xmlns:a16="http://schemas.microsoft.com/office/drawing/2014/main" id="{11986C38-3A99-46C5-8B5E-4F6C08059995}"/>
               </a:ext>
             </a:extLst>
@@ -3822,6 +5699,38 @@
               <a:t>Comparing the trained network to a human player</a:t>
             </a:r>
             <a:endParaRPr lang="en-IE" dirty="0"/>
+          </a:p>
+        </p:txBody>
+      </p:sp>
+      <p:sp>
+        <p:nvSpPr>
+          <p:cNvPr id="4" name="Slide Number Placeholder 3">
+            <a:extLst>
+              <a:ext uri="{FF2B5EF4-FFF2-40B4-BE49-F238E27FC236}">
+                <a16:creationId xmlns:a16="http://schemas.microsoft.com/office/drawing/2014/main" id="{F51466C2-AB3F-4DF9-AAAE-20E18489D3F4}"/>
+              </a:ext>
+            </a:extLst>
+          </p:cNvPr>
+          <p:cNvSpPr>
+            <a:spLocks noGrp="1"/>
+          </p:cNvSpPr>
+          <p:nvPr>
+            <p:ph type="sldNum" sz="quarter" idx="12"/>
+          </p:nvPr>
+        </p:nvSpPr>
+        <p:spPr/>
+        <p:txBody>
+          <a:bodyPr/>
+          <a:lstStyle/>
+          <a:p>
+            <a:fld id="{3BC720E8-28BF-4CEC-8769-AB7BFC6EBAD8}" type="slidenum">
+              <a:rPr lang="en-IE" smtClean="0"/>
+              <a:t>16</a:t>
+            </a:fld>
+            <a:r>
+              <a:rPr lang="en-IE" dirty="0"/>
+              <a:t>/16</a:t>
+            </a:r>
           </a:p>
         </p:txBody>
       </p:sp>
@@ -3924,6 +5833,38 @@
           </a:p>
         </p:txBody>
       </p:sp>
+      <p:sp>
+        <p:nvSpPr>
+          <p:cNvPr id="3" name="Slide Number Placeholder 2">
+            <a:extLst>
+              <a:ext uri="{FF2B5EF4-FFF2-40B4-BE49-F238E27FC236}">
+                <a16:creationId xmlns:a16="http://schemas.microsoft.com/office/drawing/2014/main" id="{07E17980-FAC4-4491-8BA2-362F973E4FD2}"/>
+              </a:ext>
+            </a:extLst>
+          </p:cNvPr>
+          <p:cNvSpPr>
+            <a:spLocks noGrp="1"/>
+          </p:cNvSpPr>
+          <p:nvPr>
+            <p:ph type="sldNum" sz="quarter" idx="12"/>
+          </p:nvPr>
+        </p:nvSpPr>
+        <p:spPr/>
+        <p:txBody>
+          <a:bodyPr/>
+          <a:lstStyle/>
+          <a:p>
+            <a:fld id="{3BC720E8-28BF-4CEC-8769-AB7BFC6EBAD8}" type="slidenum">
+              <a:rPr lang="en-IE" smtClean="0"/>
+              <a:t>2</a:t>
+            </a:fld>
+            <a:r>
+              <a:rPr lang="en-IE" dirty="0"/>
+              <a:t>/16</a:t>
+            </a:r>
+          </a:p>
+        </p:txBody>
+      </p:sp>
     </p:spTree>
     <p:extLst>
       <p:ext uri="{BB962C8B-B14F-4D97-AF65-F5344CB8AC3E}">
@@ -4027,12 +5968,37 @@
               <a:t>Accuracy</a:t>
             </a:r>
           </a:p>
-          <a:p>
-            <a:r>
-              <a:rPr lang="en-GB" dirty="0"/>
-              <a:t>etc</a:t>
-            </a:r>
-            <a:endParaRPr lang="en-IE" dirty="0"/>
+        </p:txBody>
+      </p:sp>
+      <p:sp>
+        <p:nvSpPr>
+          <p:cNvPr id="4" name="Slide Number Placeholder 3">
+            <a:extLst>
+              <a:ext uri="{FF2B5EF4-FFF2-40B4-BE49-F238E27FC236}">
+                <a16:creationId xmlns:a16="http://schemas.microsoft.com/office/drawing/2014/main" id="{5CC13FA0-B659-4505-87F2-59336B87665B}"/>
+              </a:ext>
+            </a:extLst>
+          </p:cNvPr>
+          <p:cNvSpPr>
+            <a:spLocks noGrp="1"/>
+          </p:cNvSpPr>
+          <p:nvPr>
+            <p:ph type="sldNum" sz="quarter" idx="12"/>
+          </p:nvPr>
+        </p:nvSpPr>
+        <p:spPr/>
+        <p:txBody>
+          <a:bodyPr/>
+          <a:lstStyle/>
+          <a:p>
+            <a:fld id="{3BC720E8-28BF-4CEC-8769-AB7BFC6EBAD8}" type="slidenum">
+              <a:rPr lang="en-IE" smtClean="0"/>
+              <a:t>3</a:t>
+            </a:fld>
+            <a:r>
+              <a:rPr lang="en-IE" dirty="0"/>
+              <a:t>/16</a:t>
+            </a:r>
           </a:p>
         </p:txBody>
       </p:sp>
@@ -4169,6 +6135,38 @@
           </a:p>
         </p:txBody>
       </p:sp>
+      <p:sp>
+        <p:nvSpPr>
+          <p:cNvPr id="4" name="Slide Number Placeholder 3">
+            <a:extLst>
+              <a:ext uri="{FF2B5EF4-FFF2-40B4-BE49-F238E27FC236}">
+                <a16:creationId xmlns:a16="http://schemas.microsoft.com/office/drawing/2014/main" id="{87168867-C67E-4806-A87C-DA94F4AE9766}"/>
+              </a:ext>
+            </a:extLst>
+          </p:cNvPr>
+          <p:cNvSpPr>
+            <a:spLocks noGrp="1"/>
+          </p:cNvSpPr>
+          <p:nvPr>
+            <p:ph type="sldNum" sz="quarter" idx="12"/>
+          </p:nvPr>
+        </p:nvSpPr>
+        <p:spPr/>
+        <p:txBody>
+          <a:bodyPr/>
+          <a:lstStyle/>
+          <a:p>
+            <a:fld id="{3BC720E8-28BF-4CEC-8769-AB7BFC6EBAD8}" type="slidenum">
+              <a:rPr lang="en-IE" smtClean="0"/>
+              <a:t>4</a:t>
+            </a:fld>
+            <a:r>
+              <a:rPr lang="en-IE" dirty="0"/>
+              <a:t>/16</a:t>
+            </a:r>
+          </a:p>
+        </p:txBody>
+      </p:sp>
     </p:spTree>
     <p:extLst>
       <p:ext uri="{BB962C8B-B14F-4D97-AF65-F5344CB8AC3E}">
@@ -4185,6 +6183,14 @@
 <file path=ppt/slides/slide5.xml><?xml version="1.0" encoding="utf-8"?>
 <p:sld xmlns:a="http://schemas.openxmlformats.org/drawingml/2006/main" xmlns:r="http://schemas.openxmlformats.org/officeDocument/2006/relationships" xmlns:p="http://schemas.openxmlformats.org/presentationml/2006/main">
   <p:cSld>
+    <p:bg>
+      <p:bgPr>
+        <a:solidFill>
+          <a:schemeClr val="bg1"/>
+        </a:solidFill>
+        <a:effectLst/>
+      </p:bgPr>
+    </p:bg>
     <p:spTree>
       <p:nvGrpSpPr>
         <p:cNvPr id="1" name=""/>
@@ -4201,10 +6207,65 @@
       </p:grpSpPr>
       <p:sp>
         <p:nvSpPr>
+          <p:cNvPr id="12" name="Rectangle 11">
+            <a:extLst>
+              <a:ext uri="{FF2B5EF4-FFF2-40B4-BE49-F238E27FC236}">
+                <a16:creationId xmlns:a16="http://schemas.microsoft.com/office/drawing/2014/main" id="{C7695FE5-79DD-4ACA-ABEA-BC94D993C4F3}"/>
+              </a:ext>
+              <a:ext uri="{C183D7F6-B498-43B3-948B-1728B52AA6E4}">
+                <adec:decorative xmlns:adec="http://schemas.microsoft.com/office/drawing/2017/decorative" val="1"/>
+              </a:ext>
+            </a:extLst>
+          </p:cNvPr>
+          <p:cNvSpPr>
+            <a:spLocks noGrp="1" noRot="1" noChangeAspect="1" noMove="1" noResize="1" noEditPoints="1" noAdjustHandles="1" noChangeArrowheads="1" noChangeShapeType="1" noTextEdit="1"/>
+          </p:cNvSpPr>
+          <p:nvPr>
+            <p:extLst>
+              <p:ext uri="{386F3935-93C4-4BCD-93E2-E3B085C9AB24}">
+                <p16:designElem xmlns:p16="http://schemas.microsoft.com/office/powerpoint/2015/main" val="1"/>
+              </p:ext>
+            </p:extLst>
+          </p:nvPr>
+        </p:nvSpPr>
+        <p:spPr>
+          <a:xfrm>
+            <a:off x="0" y="759599"/>
+            <a:ext cx="5608255" cy="5334001"/>
+          </a:xfrm>
+          <a:prstGeom prst="rect">
+            <a:avLst/>
+          </a:prstGeom>
+          <a:solidFill>
+            <a:schemeClr val="accent1"/>
+          </a:solidFill>
+          <a:ln>
+            <a:noFill/>
+          </a:ln>
+        </p:spPr>
+        <p:style>
+          <a:lnRef idx="2">
+            <a:schemeClr val="accent1">
+              <a:shade val="50000"/>
+            </a:schemeClr>
+          </a:lnRef>
+          <a:fillRef idx="1">
+            <a:schemeClr val="accent1"/>
+          </a:fillRef>
+          <a:effectRef idx="0">
+            <a:schemeClr val="accent1"/>
+          </a:effectRef>
+          <a:fontRef idx="minor">
+            <a:schemeClr val="lt1"/>
+          </a:fontRef>
+        </p:style>
+      </p:sp>
+      <p:sp>
+        <p:nvSpPr>
           <p:cNvPr id="2" name="Title 1">
             <a:extLst>
               <a:ext uri="{FF2B5EF4-FFF2-40B4-BE49-F238E27FC236}">
-                <a16:creationId xmlns:a16="http://schemas.microsoft.com/office/drawing/2014/main" id="{32ECEF21-B8DB-429D-A314-830D991A0031}"/>
+                <a16:creationId xmlns:a16="http://schemas.microsoft.com/office/drawing/2014/main" id="{387A4A9F-AB66-4484-A991-3B6C0525DD76}"/>
               </a:ext>
             </a:extLst>
           </p:cNvPr>
@@ -4215,9 +6276,16 @@
             <p:ph type="title"/>
           </p:nvPr>
         </p:nvSpPr>
-        <p:spPr/>
-        <p:txBody>
-          <a:bodyPr/>
+        <p:spPr>
+          <a:xfrm>
+            <a:off x="289248" y="1123837"/>
+            <a:ext cx="4998963" cy="1255469"/>
+          </a:xfrm>
+        </p:spPr>
+        <p:txBody>
+          <a:bodyPr>
+            <a:normAutofit/>
+          </a:bodyPr>
           <a:lstStyle/>
           <a:p>
             <a:r>
@@ -4233,7 +6301,7 @@
           <p:cNvPr id="3" name="Content Placeholder 2">
             <a:extLst>
               <a:ext uri="{FF2B5EF4-FFF2-40B4-BE49-F238E27FC236}">
-                <a16:creationId xmlns:a16="http://schemas.microsoft.com/office/drawing/2014/main" id="{7B71619D-FE2B-4DB5-A08C-79F622F6C64B}"/>
+                <a16:creationId xmlns:a16="http://schemas.microsoft.com/office/drawing/2014/main" id="{CBDDA8E7-2D58-4A70-A77A-91692E6E7C8B}"/>
               </a:ext>
             </a:extLst>
           </p:cNvPr>
@@ -4244,91 +6312,161 @@
             <p:ph idx="1"/>
           </p:nvPr>
         </p:nvSpPr>
+        <p:spPr>
+          <a:xfrm>
+            <a:off x="289249" y="2510395"/>
+            <a:ext cx="4998962" cy="3274586"/>
+          </a:xfrm>
+        </p:spPr>
+        <p:txBody>
+          <a:bodyPr anchor="t">
+            <a:normAutofit/>
+          </a:bodyPr>
+          <a:lstStyle/>
+          <a:p>
+            <a:pPr lvl="1"/>
+            <a:r>
+              <a:rPr lang="en-GB">
+                <a:solidFill>
+                  <a:srgbClr val="FFFFFF"/>
+                </a:solidFill>
+              </a:rPr>
+              <a:t>The main demo is programmed in C++ using the SFML library for any visuals. </a:t>
+            </a:r>
+          </a:p>
+          <a:p>
+            <a:pPr lvl="1"/>
+            <a:r>
+              <a:rPr lang="en-GB">
+                <a:solidFill>
+                  <a:srgbClr val="FFFFFF"/>
+                </a:solidFill>
+              </a:rPr>
+              <a:t>All neural networks are run in the C++ program</a:t>
+            </a:r>
+          </a:p>
+          <a:p>
+            <a:endParaRPr lang="en-IE">
+              <a:solidFill>
+                <a:srgbClr val="FFFFFF"/>
+              </a:solidFill>
+            </a:endParaRPr>
+          </a:p>
+        </p:txBody>
+      </p:sp>
+      <p:pic>
+        <p:nvPicPr>
+          <p:cNvPr id="7" name="Picture 6">
+            <a:extLst>
+              <a:ext uri="{FF2B5EF4-FFF2-40B4-BE49-F238E27FC236}">
+                <a16:creationId xmlns:a16="http://schemas.microsoft.com/office/drawing/2014/main" id="{763C0899-DA76-4EFF-8A97-3DCEACB0D138}"/>
+              </a:ext>
+            </a:extLst>
+          </p:cNvPr>
+          <p:cNvPicPr>
+            <a:picLocks noChangeAspect="1"/>
+          </p:cNvPicPr>
+          <p:nvPr/>
+        </p:nvPicPr>
+        <p:blipFill>
+          <a:blip r:embed="rId2"/>
+          <a:stretch>
+            <a:fillRect/>
+          </a:stretch>
+        </p:blipFill>
+        <p:spPr>
+          <a:xfrm>
+            <a:off x="6092890" y="851590"/>
+            <a:ext cx="5238340" cy="5146668"/>
+          </a:xfrm>
+          <a:prstGeom prst="rect">
+            <a:avLst/>
+          </a:prstGeom>
+        </p:spPr>
+      </p:pic>
+      <p:sp>
+        <p:nvSpPr>
+          <p:cNvPr id="5" name="TextBox 4">
+            <a:extLst>
+              <a:ext uri="{FF2B5EF4-FFF2-40B4-BE49-F238E27FC236}">
+                <a16:creationId xmlns:a16="http://schemas.microsoft.com/office/drawing/2014/main" id="{60A9C7E2-BA37-446F-888B-C75E96D824D5}"/>
+              </a:ext>
+            </a:extLst>
+          </p:cNvPr>
+          <p:cNvSpPr txBox="1"/>
+          <p:nvPr/>
+        </p:nvSpPr>
+        <p:spPr>
+          <a:xfrm>
+            <a:off x="289248" y="1917641"/>
+            <a:ext cx="6098796" cy="461665"/>
+          </a:xfrm>
+          <a:prstGeom prst="rect">
+            <a:avLst/>
+          </a:prstGeom>
+          <a:noFill/>
+        </p:spPr>
+        <p:txBody>
+          <a:bodyPr wrap="square">
+            <a:spAutoFit/>
+          </a:bodyPr>
+          <a:lstStyle/>
+          <a:p>
+            <a:pPr>
+              <a:spcAft>
+                <a:spcPts val="600"/>
+              </a:spcAft>
+            </a:pPr>
+            <a:r>
+              <a:rPr lang="en-GB" sz="2400" dirty="0">
+                <a:solidFill>
+                  <a:schemeClr val="tx1">
+                    <a:lumMod val="75000"/>
+                    <a:lumOff val="25000"/>
+                  </a:schemeClr>
+                </a:solidFill>
+              </a:rPr>
+              <a:t>Main Demo</a:t>
+            </a:r>
+            <a:endParaRPr lang="en-IE" sz="2400" dirty="0">
+              <a:solidFill>
+                <a:schemeClr val="tx1">
+                  <a:lumMod val="75000"/>
+                  <a:lumOff val="25000"/>
+                </a:schemeClr>
+              </a:solidFill>
+            </a:endParaRPr>
+          </a:p>
+        </p:txBody>
+      </p:sp>
+      <p:sp>
+        <p:nvSpPr>
+          <p:cNvPr id="8" name="Slide Number Placeholder 7">
+            <a:extLst>
+              <a:ext uri="{FF2B5EF4-FFF2-40B4-BE49-F238E27FC236}">
+                <a16:creationId xmlns:a16="http://schemas.microsoft.com/office/drawing/2014/main" id="{5D99DA95-D360-44AF-BC2B-D64D5393A1E1}"/>
+              </a:ext>
+            </a:extLst>
+          </p:cNvPr>
+          <p:cNvSpPr>
+            <a:spLocks noGrp="1"/>
+          </p:cNvSpPr>
+          <p:nvPr>
+            <p:ph type="sldNum" sz="quarter" idx="12"/>
+          </p:nvPr>
+        </p:nvSpPr>
         <p:spPr/>
         <p:txBody>
-          <a:bodyPr>
-            <a:normAutofit lnSpcReduction="10000"/>
-          </a:bodyPr>
-          <a:lstStyle/>
-          <a:p>
-            <a:r>
-              <a:rPr lang="en-GB" dirty="0"/>
-              <a:t>Main Demo</a:t>
-            </a:r>
-          </a:p>
-          <a:p>
-            <a:pPr lvl="1"/>
-            <a:r>
-              <a:rPr lang="en-GB" dirty="0"/>
-              <a:t>The main demo is programmed in C++ using the SFML library for any visuals. </a:t>
-            </a:r>
-          </a:p>
-          <a:p>
-            <a:pPr lvl="1"/>
-            <a:r>
-              <a:rPr lang="en-GB" dirty="0"/>
-              <a:t>All neural networks are run in the C++ program</a:t>
-            </a:r>
-          </a:p>
-          <a:p>
-            <a:r>
-              <a:rPr lang="en-GB" dirty="0"/>
-              <a:t>Reinforcement Learning</a:t>
-            </a:r>
-          </a:p>
-          <a:p>
-            <a:pPr lvl="1"/>
-            <a:r>
-              <a:rPr lang="en-GB" dirty="0"/>
-              <a:t>All reinforcement learning is programmed in the same C++ project from scratch using no external libraries.</a:t>
-            </a:r>
-          </a:p>
-          <a:p>
-            <a:pPr lvl="1"/>
-            <a:r>
-              <a:rPr lang="en-GB" dirty="0"/>
-              <a:t>Calculated weights are stored to an external file</a:t>
-            </a:r>
-          </a:p>
-          <a:p>
-            <a:pPr lvl="1"/>
-            <a:r>
-              <a:rPr lang="en-GB" dirty="0"/>
-              <a:t>Uses deep Q-learning as the learning method</a:t>
-            </a:r>
-          </a:p>
-          <a:p>
-            <a:r>
-              <a:rPr lang="en-GB" dirty="0"/>
-              <a:t>Backpropagation</a:t>
-            </a:r>
-          </a:p>
-          <a:p>
-            <a:pPr lvl="1"/>
+          <a:bodyPr/>
+          <a:lstStyle/>
+          <a:p>
+            <a:fld id="{3BC720E8-28BF-4CEC-8769-AB7BFC6EBAD8}" type="slidenum">
+              <a:rPr lang="en-IE" smtClean="0"/>
+              <a:t>5</a:t>
+            </a:fld>
             <a:r>
               <a:rPr lang="en-IE" dirty="0"/>
-              <a:t>Training data is collected in the C++ application and saved to an external file</a:t>
-            </a:r>
-          </a:p>
-          <a:p>
-            <a:pPr lvl="1"/>
-            <a:r>
-              <a:rPr lang="en-IE" dirty="0"/>
-              <a:t>Training data loaded into python script and backpropagation is run using the functions from the TensorFlow library</a:t>
-            </a:r>
-          </a:p>
-          <a:p>
-            <a:pPr lvl="1"/>
-            <a:r>
-              <a:rPr lang="en-IE" dirty="0"/>
-              <a:t>Calculated weights saved to an external file</a:t>
-            </a:r>
-          </a:p>
-          <a:p>
-            <a:pPr lvl="1"/>
-            <a:r>
-              <a:rPr lang="en-IE" dirty="0"/>
-              <a:t>Weights loaded into C++ program and used to evaluate neural network</a:t>
+              <a:t>/16</a:t>
             </a:r>
           </a:p>
         </p:txBody>
@@ -4336,7 +6474,7 @@
     </p:spTree>
     <p:extLst>
       <p:ext uri="{BB962C8B-B14F-4D97-AF65-F5344CB8AC3E}">
-        <p14:creationId xmlns:p14="http://schemas.microsoft.com/office/powerpoint/2010/main" val="3149949758"/>
+        <p14:creationId xmlns:p14="http://schemas.microsoft.com/office/powerpoint/2010/main" val="2637256982"/>
       </p:ext>
     </p:extLst>
   </p:cSld>
@@ -4373,10 +6511,10 @@
       </p:grpSpPr>
       <p:sp>
         <p:nvSpPr>
-          <p:cNvPr id="1030" name="Rectangle 72">
+          <p:cNvPr id="71" name="Rectangle 70">
             <a:extLst>
               <a:ext uri="{FF2B5EF4-FFF2-40B4-BE49-F238E27FC236}">
-                <a16:creationId xmlns:a16="http://schemas.microsoft.com/office/drawing/2014/main" id="{663DA3BE-026F-4FFF-9647-110EB048AC52}"/>
+                <a16:creationId xmlns:a16="http://schemas.microsoft.com/office/drawing/2014/main" id="{72AC46CB-E41C-431E-B498-6295C0C5E3F1}"/>
               </a:ext>
               <a:ext uri="{C183D7F6-B498-43B3-948B-1728B52AA6E4}">
                 <adec:decorative xmlns:adec="http://schemas.microsoft.com/office/drawing/2017/decorative" val="1"/>
@@ -4396,8 +6534,8 @@
         </p:nvSpPr>
         <p:spPr>
           <a:xfrm>
-            <a:off x="0" y="759599"/>
-            <a:ext cx="7052486" cy="5334001"/>
+            <a:off x="0" y="759254"/>
+            <a:ext cx="5608255" cy="5330952"/>
           </a:xfrm>
           <a:prstGeom prst="rect">
             <a:avLst/>
@@ -4431,7 +6569,7 @@
           <p:cNvPr id="2" name="Title 1">
             <a:extLst>
               <a:ext uri="{FF2B5EF4-FFF2-40B4-BE49-F238E27FC236}">
-                <a16:creationId xmlns:a16="http://schemas.microsoft.com/office/drawing/2014/main" id="{14E7FC7C-A2BE-4FD5-A8A7-004474A3C50F}"/>
+                <a16:creationId xmlns:a16="http://schemas.microsoft.com/office/drawing/2014/main" id="{387A4A9F-AB66-4484-A991-3B6C0525DD76}"/>
               </a:ext>
             </a:extLst>
           </p:cNvPr>
@@ -4445,7 +6583,7 @@
         <p:spPr>
           <a:xfrm>
             <a:off x="289248" y="1123837"/>
-            <a:ext cx="6451110" cy="1255469"/>
+            <a:ext cx="4998963" cy="1255469"/>
           </a:xfrm>
         </p:spPr>
         <p:txBody>
@@ -4456,7 +6594,7 @@
           <a:p>
             <a:r>
               <a:rPr lang="en-GB" dirty="0"/>
-              <a:t>Results</a:t>
+              <a:t>Methods</a:t>
             </a:r>
             <a:endParaRPr lang="en-IE" dirty="0"/>
           </a:p>
@@ -4467,7 +6605,7 @@
           <p:cNvPr id="3" name="Content Placeholder 2">
             <a:extLst>
               <a:ext uri="{FF2B5EF4-FFF2-40B4-BE49-F238E27FC236}">
-                <a16:creationId xmlns:a16="http://schemas.microsoft.com/office/drawing/2014/main" id="{2532AD3B-5440-42B7-9440-48C5C0116AF0}"/>
+                <a16:creationId xmlns:a16="http://schemas.microsoft.com/office/drawing/2014/main" id="{CBDDA8E7-2D58-4A70-A77A-91692E6E7C8B}"/>
               </a:ext>
             </a:extLst>
           </p:cNvPr>
@@ -4480,8 +6618,8 @@
         </p:nvSpPr>
         <p:spPr>
           <a:xfrm>
-            <a:off x="289248" y="2510395"/>
-            <a:ext cx="6451109" cy="3274586"/>
+            <a:off x="289249" y="2510395"/>
+            <a:ext cx="4998962" cy="3274586"/>
           </a:xfrm>
         </p:spPr>
         <p:txBody>
@@ -4490,78 +6628,47 @@
           </a:bodyPr>
           <a:lstStyle/>
           <a:p>
-            <a:r>
-              <a:rPr lang="en-GB">
+            <a:pPr lvl="1"/>
+            <a:r>
+              <a:rPr lang="en-IE">
                 <a:solidFill>
                   <a:srgbClr val="FFFFFF"/>
                 </a:solidFill>
               </a:rPr>
-              <a:t>Backpropagation</a:t>
+              <a:t>Training data is collected in the C++ application and saved to an external file</a:t>
             </a:r>
           </a:p>
           <a:p>
             <a:pPr lvl="1"/>
             <a:r>
-              <a:rPr lang="en-GB">
+              <a:rPr lang="en-IE">
                 <a:solidFill>
                   <a:srgbClr val="FFFFFF"/>
                 </a:solidFill>
               </a:rPr>
-              <a:t>Was significantly faster than Reinforcement </a:t>
+              <a:t>Training data loaded into python script and backpropagation is run using the functions from the TensorFlow library</a:t>
             </a:r>
           </a:p>
           <a:p>
             <a:pPr lvl="1"/>
             <a:r>
-              <a:rPr lang="en-GB">
+              <a:rPr lang="en-IE">
                 <a:solidFill>
                   <a:srgbClr val="FFFFFF"/>
                 </a:solidFill>
               </a:rPr>
-              <a:t>Collecting training data took the most time</a:t>
+              <a:t>Calculated weights saved to an external file</a:t>
             </a:r>
           </a:p>
           <a:p>
             <a:pPr lvl="1"/>
             <a:r>
-              <a:rPr lang="en-GB">
+              <a:rPr lang="en-IE">
                 <a:solidFill>
                   <a:srgbClr val="FFFFFF"/>
                 </a:solidFill>
               </a:rPr>
-              <a:t>Running algorithms took a few minutes</a:t>
-            </a:r>
-          </a:p>
-          <a:p>
-            <a:r>
-              <a:rPr lang="en-GB">
-                <a:solidFill>
-                  <a:srgbClr val="FFFFFF"/>
-                </a:solidFill>
-              </a:rPr>
-              <a:t>Reinforcement </a:t>
-            </a:r>
-          </a:p>
-          <a:p>
-            <a:pPr lvl="1"/>
-            <a:r>
-              <a:rPr lang="en-GB">
-                <a:solidFill>
-                  <a:srgbClr val="FFFFFF"/>
-                </a:solidFill>
-              </a:rPr>
-              <a:t>Took several hours to train</a:t>
-            </a:r>
-          </a:p>
-          <a:p>
-            <a:pPr lvl="1"/>
-            <a:r>
-              <a:rPr lang="en-GB">
-                <a:solidFill>
-                  <a:srgbClr val="FFFFFF"/>
-                </a:solidFill>
-              </a:rPr>
-              <a:t>Needed little to no human input </a:t>
+              <a:t>Weights loaded into C++ program and used to evaluate neural network</a:t>
             </a:r>
           </a:p>
           <a:p>
@@ -4575,10 +6682,10 @@
       </p:sp>
       <p:pic>
         <p:nvPicPr>
-          <p:cNvPr id="1028" name="Picture 4">
+          <p:cNvPr id="2050" name="Picture 2" descr="How Does Back-Propagation in Artificial Neural Networks Work? | by Anas  Al-Masri | Towards Data Science">
             <a:extLst>
               <a:ext uri="{FF2B5EF4-FFF2-40B4-BE49-F238E27FC236}">
-                <a16:creationId xmlns:a16="http://schemas.microsoft.com/office/drawing/2014/main" id="{277C3724-A886-45E9-A421-53168575A536}"/>
+                <a16:creationId xmlns:a16="http://schemas.microsoft.com/office/drawing/2014/main" id="{8A2998B9-AED9-4F2C-A018-DB43A2F7B80D}"/>
               </a:ext>
             </a:extLst>
           </p:cNvPr>
@@ -4587,7 +6694,7 @@
           </p:cNvPicPr>
           <p:nvPr/>
         </p:nvPicPr>
-        <p:blipFill>
+        <p:blipFill rotWithShape="1">
           <a:blip r:embed="rId2">
             <a:extLst>
               <a:ext uri="{28A0092B-C50C-407E-A947-70E740481C1C}">
@@ -4595,14 +6702,13 @@
               </a:ext>
             </a:extLst>
           </a:blip>
-          <a:stretch>
-            <a:fillRect/>
-          </a:stretch>
+          <a:srcRect l="19156" t="18488" r="25569" b="2"/>
+          <a:stretch/>
         </p:blipFill>
         <p:spPr bwMode="auto">
           <a:xfrm>
-            <a:off x="7552944" y="1240944"/>
-            <a:ext cx="3778286" cy="4367960"/>
+            <a:off x="6096000" y="1252190"/>
+            <a:ext cx="5238340" cy="4345080"/>
           </a:xfrm>
           <a:prstGeom prst="rect">
             <a:avLst/>
@@ -4621,10 +6727,10 @@
       </p:pic>
       <p:sp>
         <p:nvSpPr>
-          <p:cNvPr id="4" name="TextBox 3">
+          <p:cNvPr id="5" name="TextBox 4">
             <a:extLst>
               <a:ext uri="{FF2B5EF4-FFF2-40B4-BE49-F238E27FC236}">
-                <a16:creationId xmlns:a16="http://schemas.microsoft.com/office/drawing/2014/main" id="{EC758F69-9EFE-4C5E-82C5-AB70C4A80DBA}"/>
+                <a16:creationId xmlns:a16="http://schemas.microsoft.com/office/drawing/2014/main" id="{60A9C7E2-BA37-446F-888B-C75E96D824D5}"/>
               </a:ext>
             </a:extLst>
           </p:cNvPr>
@@ -4633,8 +6739,8 @@
         </p:nvSpPr>
         <p:spPr>
           <a:xfrm>
-            <a:off x="289248" y="2048730"/>
-            <a:ext cx="7315200" cy="461665"/>
+            <a:off x="289248" y="1917641"/>
+            <a:ext cx="6098796" cy="461665"/>
           </a:xfrm>
           <a:prstGeom prst="rect">
             <a:avLst/>
@@ -4642,7 +6748,7 @@
           <a:noFill/>
         </p:spPr>
         <p:txBody>
-          <a:bodyPr wrap="square" rtlCol="0">
+          <a:bodyPr wrap="square">
             <a:spAutoFit/>
           </a:bodyPr>
           <a:lstStyle/>
@@ -4661,45 +6767,47 @@
                   </a:schemeClr>
                 </a:solidFill>
               </a:rPr>
-              <a:t>Learning</a:t>
-            </a:r>
-            <a:r>
-              <a:rPr lang="en-GB" sz="2000" dirty="0">
-                <a:solidFill>
-                  <a:schemeClr val="tx1">
-                    <a:lumMod val="75000"/>
-                    <a:lumOff val="25000"/>
-                  </a:schemeClr>
-                </a:solidFill>
-              </a:rPr>
-              <a:t> </a:t>
-            </a:r>
-            <a:r>
-              <a:rPr lang="en-GB" sz="2400" dirty="0">
-                <a:solidFill>
-                  <a:schemeClr val="tx1">
-                    <a:lumMod val="75000"/>
-                    <a:lumOff val="25000"/>
-                  </a:schemeClr>
-                </a:solidFill>
-              </a:rPr>
-              <a:t>Speed</a:t>
-            </a:r>
-            <a:endParaRPr lang="en-IE" sz="2000" dirty="0">
-              <a:solidFill>
-                <a:schemeClr val="tx1">
-                  <a:lumMod val="75000"/>
-                  <a:lumOff val="25000"/>
-                </a:schemeClr>
-              </a:solidFill>
-            </a:endParaRPr>
+              <a:t>Backpropagation</a:t>
+            </a:r>
+          </a:p>
+        </p:txBody>
+      </p:sp>
+      <p:sp>
+        <p:nvSpPr>
+          <p:cNvPr id="4" name="Slide Number Placeholder 3">
+            <a:extLst>
+              <a:ext uri="{FF2B5EF4-FFF2-40B4-BE49-F238E27FC236}">
+                <a16:creationId xmlns:a16="http://schemas.microsoft.com/office/drawing/2014/main" id="{09C256E5-FDA9-4277-BD5F-781ED1BAE44B}"/>
+              </a:ext>
+            </a:extLst>
+          </p:cNvPr>
+          <p:cNvSpPr>
+            <a:spLocks noGrp="1"/>
+          </p:cNvSpPr>
+          <p:nvPr>
+            <p:ph type="sldNum" sz="quarter" idx="12"/>
+          </p:nvPr>
+        </p:nvSpPr>
+        <p:spPr/>
+        <p:txBody>
+          <a:bodyPr/>
+          <a:lstStyle/>
+          <a:p>
+            <a:fld id="{3BC720E8-28BF-4CEC-8769-AB7BFC6EBAD8}" type="slidenum">
+              <a:rPr lang="en-IE" smtClean="0"/>
+              <a:t>6</a:t>
+            </a:fld>
+            <a:r>
+              <a:rPr lang="en-IE" dirty="0"/>
+              <a:t>/16</a:t>
+            </a:r>
           </a:p>
         </p:txBody>
       </p:sp>
     </p:spTree>
     <p:extLst>
       <p:ext uri="{BB962C8B-B14F-4D97-AF65-F5344CB8AC3E}">
-        <p14:creationId xmlns:p14="http://schemas.microsoft.com/office/powerpoint/2010/main" val="3829579869"/>
+        <p14:creationId xmlns:p14="http://schemas.microsoft.com/office/powerpoint/2010/main" val="1018257415"/>
       </p:ext>
     </p:extLst>
   </p:cSld>
@@ -4736,10 +6844,10 @@
       </p:grpSpPr>
       <p:sp>
         <p:nvSpPr>
-          <p:cNvPr id="80" name="Rectangle 77">
+          <p:cNvPr id="3076" name="Rectangle 70">
             <a:extLst>
               <a:ext uri="{FF2B5EF4-FFF2-40B4-BE49-F238E27FC236}">
-                <a16:creationId xmlns:a16="http://schemas.microsoft.com/office/drawing/2014/main" id="{663DA3BE-026F-4FFF-9647-110EB048AC52}"/>
+                <a16:creationId xmlns:a16="http://schemas.microsoft.com/office/drawing/2014/main" id="{C7695FE5-79DD-4ACA-ABEA-BC94D993C4F3}"/>
               </a:ext>
               <a:ext uri="{C183D7F6-B498-43B3-948B-1728B52AA6E4}">
                 <adec:decorative xmlns:adec="http://schemas.microsoft.com/office/drawing/2017/decorative" val="1"/>
@@ -4760,7 +6868,7 @@
         <p:spPr>
           <a:xfrm>
             <a:off x="0" y="759599"/>
-            <a:ext cx="7052486" cy="5334001"/>
+            <a:ext cx="5608255" cy="5334001"/>
           </a:xfrm>
           <a:prstGeom prst="rect">
             <a:avLst/>
@@ -4794,7 +6902,7 @@
           <p:cNvPr id="2" name="Title 1">
             <a:extLst>
               <a:ext uri="{FF2B5EF4-FFF2-40B4-BE49-F238E27FC236}">
-                <a16:creationId xmlns:a16="http://schemas.microsoft.com/office/drawing/2014/main" id="{14E7FC7C-A2BE-4FD5-A8A7-004474A3C50F}"/>
+                <a16:creationId xmlns:a16="http://schemas.microsoft.com/office/drawing/2014/main" id="{387A4A9F-AB66-4484-A991-3B6C0525DD76}"/>
               </a:ext>
             </a:extLst>
           </p:cNvPr>
@@ -4808,7 +6916,7 @@
         <p:spPr>
           <a:xfrm>
             <a:off x="289248" y="1123837"/>
-            <a:ext cx="6451110" cy="1255469"/>
+            <a:ext cx="4998963" cy="1255469"/>
           </a:xfrm>
         </p:spPr>
         <p:txBody>
@@ -4819,7 +6927,7 @@
           <a:p>
             <a:r>
               <a:rPr lang="en-GB" dirty="0"/>
-              <a:t>Results</a:t>
+              <a:t>Methods</a:t>
             </a:r>
             <a:endParaRPr lang="en-IE" dirty="0"/>
           </a:p>
@@ -4830,7 +6938,7 @@
           <p:cNvPr id="3" name="Content Placeholder 2">
             <a:extLst>
               <a:ext uri="{FF2B5EF4-FFF2-40B4-BE49-F238E27FC236}">
-                <a16:creationId xmlns:a16="http://schemas.microsoft.com/office/drawing/2014/main" id="{2532AD3B-5440-42B7-9440-48C5C0116AF0}"/>
+                <a16:creationId xmlns:a16="http://schemas.microsoft.com/office/drawing/2014/main" id="{CBDDA8E7-2D58-4A70-A77A-91692E6E7C8B}"/>
               </a:ext>
             </a:extLst>
           </p:cNvPr>
@@ -4843,8 +6951,8 @@
         </p:nvSpPr>
         <p:spPr>
           <a:xfrm>
-            <a:off x="289248" y="2510395"/>
-            <a:ext cx="6451109" cy="3274586"/>
+            <a:off x="289249" y="2510395"/>
+            <a:ext cx="4998962" cy="3274586"/>
           </a:xfrm>
         </p:spPr>
         <p:txBody>
@@ -4853,13 +6961,14 @@
           </a:bodyPr>
           <a:lstStyle/>
           <a:p>
+            <a:pPr lvl="1"/>
             <a:r>
               <a:rPr lang="en-GB" dirty="0">
                 <a:solidFill>
                   <a:srgbClr val="FFFFFF"/>
                 </a:solidFill>
               </a:rPr>
-              <a:t>Backpropagation</a:t>
+              <a:t>All reinforcement learning is programmed in the same C++ project from scratch using no external libraries.</a:t>
             </a:r>
           </a:p>
           <a:p>
@@ -4870,7 +6979,7 @@
                   <a:srgbClr val="FFFFFF"/>
                 </a:solidFill>
               </a:rPr>
-              <a:t>Algorithm accuracy ~90%</a:t>
+              <a:t>Calculated weights are stored to an external file</a:t>
             </a:r>
           </a:p>
           <a:p>
@@ -4881,40 +6990,16 @@
                   <a:srgbClr val="FFFFFF"/>
                 </a:solidFill>
               </a:rPr>
-              <a:t>Car can get caught on corners</a:t>
-            </a:r>
-          </a:p>
-          <a:p>
-            <a:r>
-              <a:rPr lang="en-GB" dirty="0">
-                <a:solidFill>
-                  <a:srgbClr val="FFFFFF"/>
-                </a:solidFill>
-              </a:rPr>
-              <a:t>Reinforcement </a:t>
+              <a:t>Uses deep Q-learning as the learning method</a:t>
             </a:r>
           </a:p>
           <a:p>
             <a:pPr lvl="1"/>
-            <a:r>
-              <a:rPr lang="en-GB" dirty="0">
-                <a:solidFill>
-                  <a:srgbClr val="FFFFFF"/>
-                </a:solidFill>
-              </a:rPr>
-              <a:t>Can also get stuck on corners, not as often</a:t>
-            </a:r>
-          </a:p>
-          <a:p>
-            <a:pPr lvl="1"/>
-            <a:r>
-              <a:rPr lang="en-GB" dirty="0">
-                <a:solidFill>
-                  <a:srgbClr val="FFFFFF"/>
-                </a:solidFill>
-              </a:rPr>
-              <a:t>More training time results in more accurate model</a:t>
-            </a:r>
+            <a:endParaRPr lang="en-GB" dirty="0">
+              <a:solidFill>
+                <a:srgbClr val="FFFFFF"/>
+              </a:solidFill>
+            </a:endParaRPr>
           </a:p>
           <a:p>
             <a:endParaRPr lang="en-IE" dirty="0">
@@ -4927,40 +7012,56 @@
       </p:sp>
       <p:pic>
         <p:nvPicPr>
-          <p:cNvPr id="6" name="Picture 5">
+          <p:cNvPr id="3074" name="Picture 2">
             <a:extLst>
               <a:ext uri="{FF2B5EF4-FFF2-40B4-BE49-F238E27FC236}">
-                <a16:creationId xmlns:a16="http://schemas.microsoft.com/office/drawing/2014/main" id="{0E39753A-FB79-41B1-8062-B8CC519216D4}"/>
+                <a16:creationId xmlns:a16="http://schemas.microsoft.com/office/drawing/2014/main" id="{BADA587F-A66E-4629-B254-4542BE5713ED}"/>
               </a:ext>
             </a:extLst>
           </p:cNvPr>
           <p:cNvPicPr>
-            <a:picLocks noChangeAspect="1"/>
+            <a:picLocks noChangeAspect="1" noChangeArrowheads="1"/>
           </p:cNvPicPr>
           <p:nvPr/>
         </p:nvPicPr>
         <p:blipFill>
-          <a:blip r:embed="rId2"/>
+          <a:blip r:embed="rId2">
+            <a:extLst>
+              <a:ext uri="{28A0092B-C50C-407E-A947-70E740481C1C}">
+                <a14:useLocalDpi xmlns:a14="http://schemas.microsoft.com/office/drawing/2010/main" val="0"/>
+              </a:ext>
+            </a:extLst>
+          </a:blip>
           <a:stretch>
             <a:fillRect/>
           </a:stretch>
         </p:blipFill>
-        <p:spPr>
+        <p:spPr bwMode="auto">
           <a:xfrm>
-            <a:off x="7552944" y="1337473"/>
-            <a:ext cx="3778286" cy="4174902"/>
+            <a:off x="5614397" y="1892710"/>
+            <a:ext cx="6143061" cy="3593690"/>
           </a:xfrm>
           <a:prstGeom prst="rect">
             <a:avLst/>
           </a:prstGeom>
+          <a:noFill/>
+          <a:extLst>
+            <a:ext uri="{909E8E84-426E-40DD-AFC4-6F175D3DCCD1}">
+              <a14:hiddenFill xmlns:a14="http://schemas.microsoft.com/office/drawing/2010/main">
+                <a:solidFill>
+                  <a:srgbClr val="FFFFFF"/>
+                </a:solidFill>
+              </a14:hiddenFill>
+            </a:ext>
+          </a:extLst>
         </p:spPr>
       </p:pic>
       <p:sp>
         <p:nvSpPr>
-          <p:cNvPr id="4" name="TextBox 3">
+          <p:cNvPr id="5" name="TextBox 4">
             <a:extLst>
               <a:ext uri="{FF2B5EF4-FFF2-40B4-BE49-F238E27FC236}">
-                <a16:creationId xmlns:a16="http://schemas.microsoft.com/office/drawing/2014/main" id="{EC758F69-9EFE-4C5E-82C5-AB70C4A80DBA}"/>
+                <a16:creationId xmlns:a16="http://schemas.microsoft.com/office/drawing/2014/main" id="{60A9C7E2-BA37-446F-888B-C75E96D824D5}"/>
               </a:ext>
             </a:extLst>
           </p:cNvPr>
@@ -4969,8 +7070,8 @@
         </p:nvSpPr>
         <p:spPr>
           <a:xfrm>
-            <a:off x="289248" y="2048730"/>
-            <a:ext cx="7315200" cy="461665"/>
+            <a:off x="289248" y="1892710"/>
+            <a:ext cx="6098796" cy="461665"/>
           </a:xfrm>
           <a:prstGeom prst="rect">
             <a:avLst/>
@@ -4978,7 +7079,7 @@
           <a:noFill/>
         </p:spPr>
         <p:txBody>
-          <a:bodyPr wrap="square" rtlCol="0">
+          <a:bodyPr wrap="square">
             <a:spAutoFit/>
           </a:bodyPr>
           <a:lstStyle/>
@@ -4989,7 +7090,7 @@
               </a:spcAft>
             </a:pPr>
             <a:r>
-              <a:rPr lang="en-GB" sz="2400" dirty="0">
+              <a:rPr lang="en-GB" sz="2400">
                 <a:solidFill>
                   <a:schemeClr val="tx1">
                     <a:lumMod val="75000"/>
@@ -4997,9 +7098,9 @@
                   </a:schemeClr>
                 </a:solidFill>
               </a:rPr>
-              <a:t>Accuracy</a:t>
-            </a:r>
-            <a:endParaRPr lang="en-IE" sz="2000" dirty="0">
+              <a:t>Reinforcement Learning</a:t>
+            </a:r>
+            <a:endParaRPr lang="en-IE" sz="2400">
               <a:solidFill>
                 <a:schemeClr val="tx1">
                   <a:lumMod val="75000"/>
@@ -5010,10 +7111,42 @@
           </a:p>
         </p:txBody>
       </p:sp>
+      <p:sp>
+        <p:nvSpPr>
+          <p:cNvPr id="4" name="Slide Number Placeholder 3">
+            <a:extLst>
+              <a:ext uri="{FF2B5EF4-FFF2-40B4-BE49-F238E27FC236}">
+                <a16:creationId xmlns:a16="http://schemas.microsoft.com/office/drawing/2014/main" id="{A130C40C-B2B9-4025-A057-62D7F91110D9}"/>
+              </a:ext>
+            </a:extLst>
+          </p:cNvPr>
+          <p:cNvSpPr>
+            <a:spLocks noGrp="1"/>
+          </p:cNvSpPr>
+          <p:nvPr>
+            <p:ph type="sldNum" sz="quarter" idx="12"/>
+          </p:nvPr>
+        </p:nvSpPr>
+        <p:spPr/>
+        <p:txBody>
+          <a:bodyPr/>
+          <a:lstStyle/>
+          <a:p>
+            <a:fld id="{3BC720E8-28BF-4CEC-8769-AB7BFC6EBAD8}" type="slidenum">
+              <a:rPr lang="en-IE" smtClean="0"/>
+              <a:t>7</a:t>
+            </a:fld>
+            <a:r>
+              <a:rPr lang="en-IE" dirty="0"/>
+              <a:t>/16</a:t>
+            </a:r>
+          </a:p>
+        </p:txBody>
+      </p:sp>
     </p:spTree>
     <p:extLst>
       <p:ext uri="{BB962C8B-B14F-4D97-AF65-F5344CB8AC3E}">
-        <p14:creationId xmlns:p14="http://schemas.microsoft.com/office/powerpoint/2010/main" val="1922635405"/>
+        <p14:creationId xmlns:p14="http://schemas.microsoft.com/office/powerpoint/2010/main" val="2828393017"/>
       </p:ext>
     </p:extLst>
   </p:cSld>
@@ -5050,10 +7183,10 @@
       </p:grpSpPr>
       <p:sp>
         <p:nvSpPr>
-          <p:cNvPr id="4100" name="Rectangle 70">
+          <p:cNvPr id="71" name="Rectangle 70">
             <a:extLst>
               <a:ext uri="{FF2B5EF4-FFF2-40B4-BE49-F238E27FC236}">
-                <a16:creationId xmlns:a16="http://schemas.microsoft.com/office/drawing/2014/main" id="{663DA3BE-026F-4FFF-9647-110EB048AC52}"/>
+                <a16:creationId xmlns:a16="http://schemas.microsoft.com/office/drawing/2014/main" id="{72AC46CB-E41C-431E-B498-6295C0C5E3F1}"/>
               </a:ext>
               <a:ext uri="{C183D7F6-B498-43B3-948B-1728B52AA6E4}">
                 <adec:decorative xmlns:adec="http://schemas.microsoft.com/office/drawing/2017/decorative" val="1"/>
@@ -5073,8 +7206,8 @@
         </p:nvSpPr>
         <p:spPr>
           <a:xfrm>
-            <a:off x="0" y="759599"/>
-            <a:ext cx="7052486" cy="5334001"/>
+            <a:off x="0" y="759254"/>
+            <a:ext cx="5608255" cy="5330952"/>
           </a:xfrm>
           <a:prstGeom prst="rect">
             <a:avLst/>
@@ -5108,7 +7241,7 @@
           <p:cNvPr id="2" name="Title 1">
             <a:extLst>
               <a:ext uri="{FF2B5EF4-FFF2-40B4-BE49-F238E27FC236}">
-                <a16:creationId xmlns:a16="http://schemas.microsoft.com/office/drawing/2014/main" id="{14E7FC7C-A2BE-4FD5-A8A7-004474A3C50F}"/>
+                <a16:creationId xmlns:a16="http://schemas.microsoft.com/office/drawing/2014/main" id="{387A4A9F-AB66-4484-A991-3B6C0525DD76}"/>
               </a:ext>
             </a:extLst>
           </p:cNvPr>
@@ -5122,7 +7255,7 @@
         <p:spPr>
           <a:xfrm>
             <a:off x="289248" y="1123837"/>
-            <a:ext cx="6451110" cy="1255469"/>
+            <a:ext cx="4998963" cy="1255469"/>
           </a:xfrm>
         </p:spPr>
         <p:txBody>
@@ -5133,7 +7266,7 @@
           <a:p>
             <a:r>
               <a:rPr lang="en-GB" dirty="0"/>
-              <a:t>Results</a:t>
+              <a:t>Computer Specs</a:t>
             </a:r>
             <a:endParaRPr lang="en-IE" dirty="0"/>
           </a:p>
@@ -5144,7 +7277,7 @@
           <p:cNvPr id="3" name="Content Placeholder 2">
             <a:extLst>
               <a:ext uri="{FF2B5EF4-FFF2-40B4-BE49-F238E27FC236}">
-                <a16:creationId xmlns:a16="http://schemas.microsoft.com/office/drawing/2014/main" id="{2532AD3B-5440-42B7-9440-48C5C0116AF0}"/>
+                <a16:creationId xmlns:a16="http://schemas.microsoft.com/office/drawing/2014/main" id="{CBDDA8E7-2D58-4A70-A77A-91692E6E7C8B}"/>
               </a:ext>
             </a:extLst>
           </p:cNvPr>
@@ -5157,8 +7290,8 @@
         </p:nvSpPr>
         <p:spPr>
           <a:xfrm>
-            <a:off x="289248" y="2510395"/>
-            <a:ext cx="6451109" cy="3274586"/>
+            <a:off x="289249" y="2510395"/>
+            <a:ext cx="4998962" cy="3274586"/>
           </a:xfrm>
         </p:spPr>
         <p:txBody>
@@ -5167,68 +7300,61 @@
           </a:bodyPr>
           <a:lstStyle/>
           <a:p>
+            <a:pPr lvl="1"/>
             <a:r>
               <a:rPr lang="en-GB" dirty="0">
                 <a:solidFill>
                   <a:srgbClr val="FFFFFF"/>
                 </a:solidFill>
               </a:rPr>
-              <a:t>Backpropagation</a:t>
+              <a:t>Both algorithms were trained on the same machine</a:t>
             </a:r>
           </a:p>
           <a:p>
             <a:pPr lvl="1"/>
             <a:r>
-              <a:rPr lang="en-GB" dirty="0">
+              <a:rPr lang="en-IE" dirty="0">
                 <a:solidFill>
                   <a:srgbClr val="FFFFFF"/>
                 </a:solidFill>
               </a:rPr>
-              <a:t>Easier and quicker to implement</a:t>
-            </a:r>
-          </a:p>
-          <a:p>
-            <a:pPr lvl="1"/>
-            <a:r>
-              <a:rPr lang="en-GB" dirty="0">
+              <a:t>AMD </a:t>
+            </a:r>
+            <a:r>
+              <a:rPr lang="en-IE" dirty="0" err="1">
                 <a:solidFill>
                   <a:srgbClr val="FFFFFF"/>
                 </a:solidFill>
               </a:rPr>
-              <a:t>Without using TensorFlow may take significantly longer</a:t>
-            </a:r>
-          </a:p>
-          <a:p>
-            <a:r>
-              <a:rPr lang="en-GB" dirty="0">
+              <a:t>Ryzen</a:t>
+            </a:r>
+            <a:r>
+              <a:rPr lang="en-IE" dirty="0">
                 <a:solidFill>
                   <a:srgbClr val="FFFFFF"/>
                 </a:solidFill>
               </a:rPr>
-              <a:t>Reinforcement </a:t>
+              <a:t> 7 5800X Processor</a:t>
             </a:r>
           </a:p>
           <a:p>
             <a:pPr lvl="1"/>
             <a:r>
-              <a:rPr lang="en-GB" dirty="0">
+              <a:rPr lang="en-IE" dirty="0">
                 <a:solidFill>
                   <a:srgbClr val="FFFFFF"/>
                 </a:solidFill>
               </a:rPr>
-              <a:t>Took a lot longer as I wrote the algorithm from scratch</a:t>
+              <a:t>RAM: 16 GB</a:t>
             </a:r>
           </a:p>
           <a:p>
             <a:pPr lvl="1"/>
-            <a:r>
-              <a:rPr lang="en-GB" dirty="0">
-                <a:solidFill>
-                  <a:srgbClr val="FFFFFF"/>
-                </a:solidFill>
-              </a:rPr>
-              <a:t>Took a lot of research and debugging to implement successfully </a:t>
-            </a:r>
+            <a:endParaRPr lang="en-GB" dirty="0">
+              <a:solidFill>
+                <a:srgbClr val="FFFFFF"/>
+              </a:solidFill>
+            </a:endParaRPr>
           </a:p>
           <a:p>
             <a:endParaRPr lang="en-IE" dirty="0">
@@ -5241,10 +7367,10 @@
       </p:sp>
       <p:pic>
         <p:nvPicPr>
-          <p:cNvPr id="4098" name="Picture 2">
+          <p:cNvPr id="4098" name="Picture 2" descr="PCSPECIALIST Tornado R7S Gaming PC - AMD Ryzen 7, RTX 3070, 2 TB HDD &amp; 512 GB SSD">
             <a:extLst>
               <a:ext uri="{FF2B5EF4-FFF2-40B4-BE49-F238E27FC236}">
-                <a16:creationId xmlns:a16="http://schemas.microsoft.com/office/drawing/2014/main" id="{1363536B-89C0-4751-9288-857073EA8594}"/>
+                <a16:creationId xmlns:a16="http://schemas.microsoft.com/office/drawing/2014/main" id="{92DDFED5-B12B-4BC1-9AC3-600E041E20DF}"/>
               </a:ext>
             </a:extLst>
           </p:cNvPr>
@@ -5253,7 +7379,7 @@
           </p:cNvPicPr>
           <p:nvPr/>
         </p:nvPicPr>
-        <p:blipFill>
+        <p:blipFill rotWithShape="1">
           <a:blip r:embed="rId2">
             <a:extLst>
               <a:ext uri="{28A0092B-C50C-407E-A947-70E740481C1C}">
@@ -5261,14 +7387,13 @@
               </a:ext>
             </a:extLst>
           </a:blip>
-          <a:stretch>
-            <a:fillRect/>
-          </a:stretch>
+          <a:srcRect l="9615" r="3172" b="1"/>
+          <a:stretch/>
         </p:blipFill>
         <p:spPr bwMode="auto">
           <a:xfrm>
-            <a:off x="7552944" y="2489798"/>
-            <a:ext cx="3778286" cy="1870251"/>
+            <a:off x="6083162" y="759254"/>
+            <a:ext cx="5238340" cy="5330650"/>
           </a:xfrm>
           <a:prstGeom prst="rect">
             <a:avLst/>
@@ -5287,63 +7412,40 @@
       </p:pic>
       <p:sp>
         <p:nvSpPr>
-          <p:cNvPr id="4" name="TextBox 3">
+          <p:cNvPr id="4" name="Slide Number Placeholder 3">
             <a:extLst>
               <a:ext uri="{FF2B5EF4-FFF2-40B4-BE49-F238E27FC236}">
-                <a16:creationId xmlns:a16="http://schemas.microsoft.com/office/drawing/2014/main" id="{EC758F69-9EFE-4C5E-82C5-AB70C4A80DBA}"/>
+                <a16:creationId xmlns:a16="http://schemas.microsoft.com/office/drawing/2014/main" id="{8DE574DC-E6B1-4EF7-AA9B-DE6F4C50C1DB}"/>
               </a:ext>
             </a:extLst>
           </p:cNvPr>
-          <p:cNvSpPr txBox="1"/>
-          <p:nvPr/>
-        </p:nvSpPr>
-        <p:spPr>
-          <a:xfrm>
-            <a:off x="289248" y="2048730"/>
-            <a:ext cx="7315200" cy="461665"/>
-          </a:xfrm>
-          <a:prstGeom prst="rect">
-            <a:avLst/>
-          </a:prstGeom>
-          <a:noFill/>
-        </p:spPr>
-        <p:txBody>
-          <a:bodyPr wrap="square" rtlCol="0">
-            <a:spAutoFit/>
-          </a:bodyPr>
-          <a:lstStyle/>
-          <a:p>
-            <a:pPr>
-              <a:spcAft>
-                <a:spcPts val="600"/>
-              </a:spcAft>
-            </a:pPr>
-            <a:r>
-              <a:rPr lang="en-GB" sz="2400" dirty="0">
-                <a:solidFill>
-                  <a:schemeClr val="tx1">
-                    <a:lumMod val="75000"/>
-                    <a:lumOff val="25000"/>
-                  </a:schemeClr>
-                </a:solidFill>
-              </a:rPr>
-              <a:t>Ease of Implementation</a:t>
-            </a:r>
-            <a:endParaRPr lang="en-IE" sz="2000" dirty="0">
-              <a:solidFill>
-                <a:schemeClr val="tx1">
-                  <a:lumMod val="75000"/>
-                  <a:lumOff val="25000"/>
-                </a:schemeClr>
-              </a:solidFill>
-            </a:endParaRPr>
+          <p:cNvSpPr>
+            <a:spLocks noGrp="1"/>
+          </p:cNvSpPr>
+          <p:nvPr>
+            <p:ph type="sldNum" sz="quarter" idx="12"/>
+          </p:nvPr>
+        </p:nvSpPr>
+        <p:spPr/>
+        <p:txBody>
+          <a:bodyPr/>
+          <a:lstStyle/>
+          <a:p>
+            <a:fld id="{3BC720E8-28BF-4CEC-8769-AB7BFC6EBAD8}" type="slidenum">
+              <a:rPr lang="en-IE" smtClean="0"/>
+              <a:t>8</a:t>
+            </a:fld>
+            <a:r>
+              <a:rPr lang="en-IE" dirty="0"/>
+              <a:t>/16</a:t>
+            </a:r>
           </a:p>
         </p:txBody>
       </p:sp>
     </p:spTree>
     <p:extLst>
       <p:ext uri="{BB962C8B-B14F-4D97-AF65-F5344CB8AC3E}">
-        <p14:creationId xmlns:p14="http://schemas.microsoft.com/office/powerpoint/2010/main" val="3561595812"/>
+        <p14:creationId xmlns:p14="http://schemas.microsoft.com/office/powerpoint/2010/main" val="2432609485"/>
       </p:ext>
     </p:extLst>
   </p:cSld>
@@ -5383,7 +7485,7 @@
           <p:cNvPr id="71" name="Rectangle 70">
             <a:extLst>
               <a:ext uri="{FF2B5EF4-FFF2-40B4-BE49-F238E27FC236}">
-                <a16:creationId xmlns:a16="http://schemas.microsoft.com/office/drawing/2014/main" id="{663DA3BE-026F-4FFF-9647-110EB048AC52}"/>
+                <a16:creationId xmlns:a16="http://schemas.microsoft.com/office/drawing/2014/main" id="{C7695FE5-79DD-4ACA-ABEA-BC94D993C4F3}"/>
               </a:ext>
               <a:ext uri="{C183D7F6-B498-43B3-948B-1728B52AA6E4}">
                 <adec:decorative xmlns:adec="http://schemas.microsoft.com/office/drawing/2017/decorative" val="1"/>
@@ -5404,7 +7506,7 @@
         <p:spPr>
           <a:xfrm>
             <a:off x="0" y="759599"/>
-            <a:ext cx="7052486" cy="5334001"/>
+            <a:ext cx="5608255" cy="5334001"/>
           </a:xfrm>
           <a:prstGeom prst="rect">
             <a:avLst/>
@@ -5438,7 +7540,7 @@
           <p:cNvPr id="2" name="Title 1">
             <a:extLst>
               <a:ext uri="{FF2B5EF4-FFF2-40B4-BE49-F238E27FC236}">
-                <a16:creationId xmlns:a16="http://schemas.microsoft.com/office/drawing/2014/main" id="{14E7FC7C-A2BE-4FD5-A8A7-004474A3C50F}"/>
+                <a16:creationId xmlns:a16="http://schemas.microsoft.com/office/drawing/2014/main" id="{387A4A9F-AB66-4484-A991-3B6C0525DD76}"/>
               </a:ext>
             </a:extLst>
           </p:cNvPr>
@@ -5452,7 +7554,7 @@
         <p:spPr>
           <a:xfrm>
             <a:off x="289248" y="1123837"/>
-            <a:ext cx="6451110" cy="1255469"/>
+            <a:ext cx="4998963" cy="1255469"/>
           </a:xfrm>
         </p:spPr>
         <p:txBody>
@@ -5463,7 +7565,7 @@
           <a:p>
             <a:r>
               <a:rPr lang="en-GB" dirty="0"/>
-              <a:t>Results</a:t>
+              <a:t>Neural Network</a:t>
             </a:r>
             <a:endParaRPr lang="en-IE" dirty="0"/>
           </a:p>
@@ -5474,7 +7576,7 @@
           <p:cNvPr id="3" name="Content Placeholder 2">
             <a:extLst>
               <a:ext uri="{FF2B5EF4-FFF2-40B4-BE49-F238E27FC236}">
-                <a16:creationId xmlns:a16="http://schemas.microsoft.com/office/drawing/2014/main" id="{2532AD3B-5440-42B7-9440-48C5C0116AF0}"/>
+                <a16:creationId xmlns:a16="http://schemas.microsoft.com/office/drawing/2014/main" id="{CBDDA8E7-2D58-4A70-A77A-91692E6E7C8B}"/>
               </a:ext>
             </a:extLst>
           </p:cNvPr>
@@ -5487,8 +7589,8 @@
         </p:nvSpPr>
         <p:spPr>
           <a:xfrm>
-            <a:off x="289248" y="2510395"/>
-            <a:ext cx="6451109" cy="3274586"/>
+            <a:off x="289249" y="2510395"/>
+            <a:ext cx="4998962" cy="3274586"/>
           </a:xfrm>
         </p:spPr>
         <p:txBody>
@@ -5497,56 +7599,55 @@
           </a:bodyPr>
           <a:lstStyle/>
           <a:p>
-            <a:r>
-              <a:rPr lang="en-GB" dirty="0">
+            <a:pPr lvl="1"/>
+            <a:r>
+              <a:rPr lang="en-IE" dirty="0">
                 <a:solidFill>
                   <a:srgbClr val="FFFFFF"/>
                 </a:solidFill>
               </a:rPr>
-              <a:t>Backpropagation</a:t>
+              <a:t>Takes a lot of trial and error to implement successfully</a:t>
             </a:r>
           </a:p>
           <a:p>
             <a:pPr lvl="1"/>
             <a:r>
-              <a:rPr lang="en-GB" dirty="0">
+              <a:rPr lang="en-IE" dirty="0">
                 <a:solidFill>
                   <a:srgbClr val="FFFFFF"/>
                 </a:solidFill>
               </a:rPr>
-              <a:t>Slower overall</a:t>
-            </a:r>
-          </a:p>
-          <a:p>
-            <a:r>
-              <a:rPr lang="en-GB" dirty="0">
+              <a:t>After a lot of testing, I settled with a neural network of 13 inputs, 1 hidden layer consisting of 1 node, and 5 outputs</a:t>
+            </a:r>
+          </a:p>
+          <a:p>
+            <a:pPr lvl="1"/>
+            <a:r>
+              <a:rPr lang="en-IE" dirty="0" err="1">
                 <a:solidFill>
                   <a:srgbClr val="FFFFFF"/>
                 </a:solidFill>
               </a:rPr>
-              <a:t>Reinforcement </a:t>
-            </a:r>
-          </a:p>
-          <a:p>
-            <a:pPr lvl="1"/>
-            <a:r>
-              <a:rPr lang="en-GB" dirty="0">
+              <a:t>ReLU</a:t>
+            </a:r>
+            <a:r>
+              <a:rPr lang="en-IE" dirty="0">
                 <a:solidFill>
                   <a:srgbClr val="FFFFFF"/>
                 </a:solidFill>
               </a:rPr>
-              <a:t>Faster </a:t>
+              <a:t> activation function: if value is less than 0, return o. Otherwise return the value</a:t>
             </a:r>
           </a:p>
           <a:p>
             <a:pPr lvl="1"/>
             <a:r>
-              <a:rPr lang="en-GB" dirty="0">
+              <a:rPr lang="en-IE" dirty="0">
                 <a:solidFill>
                   <a:srgbClr val="FFFFFF"/>
                 </a:solidFill>
               </a:rPr>
-              <a:t>Could get stuck, resulting in invalid data</a:t>
+              <a:t>Sigmoid activation function: makes the outputs less linear by applying them to the Sigmoid curve</a:t>
             </a:r>
           </a:p>
           <a:p>
@@ -5560,10 +7661,10 @@
       </p:sp>
       <p:pic>
         <p:nvPicPr>
-          <p:cNvPr id="2050" name="Picture 2">
+          <p:cNvPr id="1026" name="Picture 2">
             <a:extLst>
               <a:ext uri="{FF2B5EF4-FFF2-40B4-BE49-F238E27FC236}">
-                <a16:creationId xmlns:a16="http://schemas.microsoft.com/office/drawing/2014/main" id="{02FEE211-DE53-479B-B7A9-0D0681B68B0F}"/>
+                <a16:creationId xmlns:a16="http://schemas.microsoft.com/office/drawing/2014/main" id="{88B53EDC-095E-4A77-B699-EFCA3B7A8130}"/>
               </a:ext>
             </a:extLst>
           </p:cNvPr>
@@ -5586,8 +7687,8 @@
         </p:blipFill>
         <p:spPr bwMode="auto">
           <a:xfrm>
-            <a:off x="7552944" y="2287502"/>
-            <a:ext cx="3778286" cy="2274843"/>
+            <a:off x="5608255" y="380154"/>
+            <a:ext cx="6092889" cy="6092889"/>
           </a:xfrm>
           <a:prstGeom prst="rect">
             <a:avLst/>
@@ -5604,65 +7705,87 @@
           </a:extLst>
         </p:spPr>
       </p:pic>
-      <p:sp>
-        <p:nvSpPr>
-          <p:cNvPr id="4" name="TextBox 3">
+      <p:pic>
+        <p:nvPicPr>
+          <p:cNvPr id="1028" name="Picture 4" descr="Sigmoid function | Alexander | Hackaday.io">
             <a:extLst>
               <a:ext uri="{FF2B5EF4-FFF2-40B4-BE49-F238E27FC236}">
-                <a16:creationId xmlns:a16="http://schemas.microsoft.com/office/drawing/2014/main" id="{EC758F69-9EFE-4C5E-82C5-AB70C4A80DBA}"/>
+                <a16:creationId xmlns:a16="http://schemas.microsoft.com/office/drawing/2014/main" id="{030D393B-F1EB-45A0-B996-35EBB05764E7}"/>
               </a:ext>
             </a:extLst>
           </p:cNvPr>
-          <p:cNvSpPr txBox="1"/>
+          <p:cNvPicPr>
+            <a:picLocks noChangeAspect="1" noChangeArrowheads="1"/>
+          </p:cNvPicPr>
           <p:nvPr/>
-        </p:nvSpPr>
-        <p:spPr>
+        </p:nvPicPr>
+        <p:blipFill rotWithShape="1">
+          <a:blip r:embed="rId3">
+            <a:extLst>
+              <a:ext uri="{28A0092B-C50C-407E-A947-70E740481C1C}">
+                <a14:useLocalDpi xmlns:a14="http://schemas.microsoft.com/office/drawing/2010/main" val="0"/>
+              </a:ext>
+            </a:extLst>
+          </a:blip>
+          <a:srcRect t="10668" r="7878"/>
+          <a:stretch/>
+        </p:blipFill>
+        <p:spPr bwMode="auto">
           <a:xfrm>
-            <a:off x="289248" y="2048730"/>
-            <a:ext cx="7315200" cy="461665"/>
+            <a:off x="1876725" y="5419108"/>
+            <a:ext cx="1854806" cy="1348984"/>
           </a:xfrm>
           <a:prstGeom prst="rect">
             <a:avLst/>
           </a:prstGeom>
           <a:noFill/>
+          <a:extLst>
+            <a:ext uri="{909E8E84-426E-40DD-AFC4-6F175D3DCCD1}">
+              <a14:hiddenFill xmlns:a14="http://schemas.microsoft.com/office/drawing/2010/main">
+                <a:solidFill>
+                  <a:srgbClr val="FFFFFF"/>
+                </a:solidFill>
+              </a14:hiddenFill>
+            </a:ext>
+          </a:extLst>
         </p:spPr>
-        <p:txBody>
-          <a:bodyPr wrap="square" rtlCol="0">
-            <a:spAutoFit/>
-          </a:bodyPr>
-          <a:lstStyle/>
-          <a:p>
-            <a:pPr>
-              <a:spcAft>
-                <a:spcPts val="600"/>
-              </a:spcAft>
-            </a:pPr>
-            <a:r>
-              <a:rPr lang="en-GB" sz="2400" dirty="0">
-                <a:solidFill>
-                  <a:schemeClr val="tx1">
-                    <a:lumMod val="75000"/>
-                    <a:lumOff val="25000"/>
-                  </a:schemeClr>
-                </a:solidFill>
-              </a:rPr>
-              <a:t>Lap Times</a:t>
-            </a:r>
-            <a:endParaRPr lang="en-IE" sz="2000" dirty="0">
-              <a:solidFill>
-                <a:schemeClr val="tx1">
-                  <a:lumMod val="75000"/>
-                  <a:lumOff val="25000"/>
-                </a:schemeClr>
-              </a:solidFill>
-            </a:endParaRPr>
+      </p:pic>
+      <p:sp>
+        <p:nvSpPr>
+          <p:cNvPr id="4" name="Slide Number Placeholder 3">
+            <a:extLst>
+              <a:ext uri="{FF2B5EF4-FFF2-40B4-BE49-F238E27FC236}">
+                <a16:creationId xmlns:a16="http://schemas.microsoft.com/office/drawing/2014/main" id="{605983DA-3A4E-4B2C-95C0-26ECF3E97638}"/>
+              </a:ext>
+            </a:extLst>
+          </p:cNvPr>
+          <p:cNvSpPr>
+            <a:spLocks noGrp="1"/>
+          </p:cNvSpPr>
+          <p:nvPr>
+            <p:ph type="sldNum" sz="quarter" idx="12"/>
+          </p:nvPr>
+        </p:nvSpPr>
+        <p:spPr/>
+        <p:txBody>
+          <a:bodyPr/>
+          <a:lstStyle/>
+          <a:p>
+            <a:fld id="{3BC720E8-28BF-4CEC-8769-AB7BFC6EBAD8}" type="slidenum">
+              <a:rPr lang="en-IE" smtClean="0"/>
+              <a:t>9</a:t>
+            </a:fld>
+            <a:r>
+              <a:rPr lang="en-IE" dirty="0"/>
+              <a:t>/16</a:t>
+            </a:r>
           </a:p>
         </p:txBody>
       </p:sp>
     </p:spTree>
     <p:extLst>
       <p:ext uri="{BB962C8B-B14F-4D97-AF65-F5344CB8AC3E}">
-        <p14:creationId xmlns:p14="http://schemas.microsoft.com/office/powerpoint/2010/main" val="531323156"/>
+        <p14:creationId xmlns:p14="http://schemas.microsoft.com/office/powerpoint/2010/main" val="3348098265"/>
       </p:ext>
     </p:extLst>
   </p:cSld>
@@ -5901,4 +8024,299 @@
     </a:ext>
   </a:extLst>
 </a:theme>
+</file>
+
+<file path=ppt/theme/theme2.xml><?xml version="1.0" encoding="utf-8"?>
+<a:theme xmlns:a="http://schemas.openxmlformats.org/drawingml/2006/main" name="Office Theme">
+  <a:themeElements>
+    <a:clrScheme name="Office">
+      <a:dk1>
+        <a:sysClr val="windowText" lastClr="000000"/>
+      </a:dk1>
+      <a:lt1>
+        <a:sysClr val="window" lastClr="FFFFFF"/>
+      </a:lt1>
+      <a:dk2>
+        <a:srgbClr val="44546A"/>
+      </a:dk2>
+      <a:lt2>
+        <a:srgbClr val="E7E6E6"/>
+      </a:lt2>
+      <a:accent1>
+        <a:srgbClr val="4472C4"/>
+      </a:accent1>
+      <a:accent2>
+        <a:srgbClr val="ED7D31"/>
+      </a:accent2>
+      <a:accent3>
+        <a:srgbClr val="A5A5A5"/>
+      </a:accent3>
+      <a:accent4>
+        <a:srgbClr val="FFC000"/>
+      </a:accent4>
+      <a:accent5>
+        <a:srgbClr val="5B9BD5"/>
+      </a:accent5>
+      <a:accent6>
+        <a:srgbClr val="70AD47"/>
+      </a:accent6>
+      <a:hlink>
+        <a:srgbClr val="0563C1"/>
+      </a:hlink>
+      <a:folHlink>
+        <a:srgbClr val="954F72"/>
+      </a:folHlink>
+    </a:clrScheme>
+    <a:fontScheme name="Office">
+      <a:majorFont>
+        <a:latin typeface="Calibri Light" panose="020F0302020204030204"/>
+        <a:ea typeface=""/>
+        <a:cs typeface=""/>
+        <a:font script="Jpan" typeface="游ゴシック Light"/>
+        <a:font script="Hang" typeface="맑은 고딕"/>
+        <a:font script="Hans" typeface="等线 Light"/>
+        <a:font script="Hant" typeface="新細明體"/>
+        <a:font script="Arab" typeface="Times New Roman"/>
+        <a:font script="Hebr" typeface="Times New Roman"/>
+        <a:font script="Thai" typeface="Angsana New"/>
+        <a:font script="Ethi" typeface="Nyala"/>
+        <a:font script="Beng" typeface="Vrinda"/>
+        <a:font script="Gujr" typeface="Shruti"/>
+        <a:font script="Khmr" typeface="MoolBoran"/>
+        <a:font script="Knda" typeface="Tunga"/>
+        <a:font script="Guru" typeface="Raavi"/>
+        <a:font script="Cans" typeface="Euphemia"/>
+        <a:font script="Cher" typeface="Plantagenet Cherokee"/>
+        <a:font script="Yiii" typeface="Microsoft Yi Baiti"/>
+        <a:font script="Tibt" typeface="Microsoft Himalaya"/>
+        <a:font script="Thaa" typeface="MV Boli"/>
+        <a:font script="Deva" typeface="Mangal"/>
+        <a:font script="Telu" typeface="Gautami"/>
+        <a:font script="Taml" typeface="Latha"/>
+        <a:font script="Syrc" typeface="Estrangelo Edessa"/>
+        <a:font script="Orya" typeface="Kalinga"/>
+        <a:font script="Mlym" typeface="Kartika"/>
+        <a:font script="Laoo" typeface="DokChampa"/>
+        <a:font script="Sinh" typeface="Iskoola Pota"/>
+        <a:font script="Mong" typeface="Mongolian Baiti"/>
+        <a:font script="Viet" typeface="Times New Roman"/>
+        <a:font script="Uigh" typeface="Microsoft Uighur"/>
+        <a:font script="Geor" typeface="Sylfaen"/>
+        <a:font script="Armn" typeface="Arial"/>
+        <a:font script="Bugi" typeface="Leelawadee UI"/>
+        <a:font script="Bopo" typeface="Microsoft JhengHei"/>
+        <a:font script="Java" typeface="Javanese Text"/>
+        <a:font script="Lisu" typeface="Segoe UI"/>
+        <a:font script="Mymr" typeface="Myanmar Text"/>
+        <a:font script="Nkoo" typeface="Ebrima"/>
+        <a:font script="Olck" typeface="Nirmala UI"/>
+        <a:font script="Osma" typeface="Ebrima"/>
+        <a:font script="Phag" typeface="Phagspa"/>
+        <a:font script="Syrn" typeface="Estrangelo Edessa"/>
+        <a:font script="Syrj" typeface="Estrangelo Edessa"/>
+        <a:font script="Syre" typeface="Estrangelo Edessa"/>
+        <a:font script="Sora" typeface="Nirmala UI"/>
+        <a:font script="Tale" typeface="Microsoft Tai Le"/>
+        <a:font script="Talu" typeface="Microsoft New Tai Lue"/>
+        <a:font script="Tfng" typeface="Ebrima"/>
+      </a:majorFont>
+      <a:minorFont>
+        <a:latin typeface="Calibri" panose="020F0502020204030204"/>
+        <a:ea typeface=""/>
+        <a:cs typeface=""/>
+        <a:font script="Jpan" typeface="游ゴシック"/>
+        <a:font script="Hang" typeface="맑은 고딕"/>
+        <a:font script="Hans" typeface="等线"/>
+        <a:font script="Hant" typeface="新細明體"/>
+        <a:font script="Arab" typeface="Arial"/>
+        <a:font script="Hebr" typeface="Arial"/>
+        <a:font script="Thai" typeface="Cordia New"/>
+        <a:font script="Ethi" typeface="Nyala"/>
+        <a:font script="Beng" typeface="Vrinda"/>
+        <a:font script="Gujr" typeface="Shruti"/>
+        <a:font script="Khmr" typeface="DaunPenh"/>
+        <a:font script="Knda" typeface="Tunga"/>
+        <a:font script="Guru" typeface="Raavi"/>
+        <a:font script="Cans" typeface="Euphemia"/>
+        <a:font script="Cher" typeface="Plantagenet Cherokee"/>
+        <a:font script="Yiii" typeface="Microsoft Yi Baiti"/>
+        <a:font script="Tibt" typeface="Microsoft Himalaya"/>
+        <a:font script="Thaa" typeface="MV Boli"/>
+        <a:font script="Deva" typeface="Mangal"/>
+        <a:font script="Telu" typeface="Gautami"/>
+        <a:font script="Taml" typeface="Latha"/>
+        <a:font script="Syrc" typeface="Estrangelo Edessa"/>
+        <a:font script="Orya" typeface="Kalinga"/>
+        <a:font script="Mlym" typeface="Kartika"/>
+        <a:font script="Laoo" typeface="DokChampa"/>
+        <a:font script="Sinh" typeface="Iskoola Pota"/>
+        <a:font script="Mong" typeface="Mongolian Baiti"/>
+        <a:font script="Viet" typeface="Arial"/>
+        <a:font script="Uigh" typeface="Microsoft Uighur"/>
+        <a:font script="Geor" typeface="Sylfaen"/>
+        <a:font script="Armn" typeface="Arial"/>
+        <a:font script="Bugi" typeface="Leelawadee UI"/>
+        <a:font script="Bopo" typeface="Microsoft JhengHei"/>
+        <a:font script="Java" typeface="Javanese Text"/>
+        <a:font script="Lisu" typeface="Segoe UI"/>
+        <a:font script="Mymr" typeface="Myanmar Text"/>
+        <a:font script="Nkoo" typeface="Ebrima"/>
+        <a:font script="Olck" typeface="Nirmala UI"/>
+        <a:font script="Osma" typeface="Ebrima"/>
+        <a:font script="Phag" typeface="Phagspa"/>
+        <a:font script="Syrn" typeface="Estrangelo Edessa"/>
+        <a:font script="Syrj" typeface="Estrangelo Edessa"/>
+        <a:font script="Syre" typeface="Estrangelo Edessa"/>
+        <a:font script="Sora" typeface="Nirmala UI"/>
+        <a:font script="Tale" typeface="Microsoft Tai Le"/>
+        <a:font script="Talu" typeface="Microsoft New Tai Lue"/>
+        <a:font script="Tfng" typeface="Ebrima"/>
+      </a:minorFont>
+    </a:fontScheme>
+    <a:fmtScheme name="Office">
+      <a:fillStyleLst>
+        <a:solidFill>
+          <a:schemeClr val="phClr"/>
+        </a:solidFill>
+        <a:gradFill rotWithShape="1">
+          <a:gsLst>
+            <a:gs pos="0">
+              <a:schemeClr val="phClr">
+                <a:lumMod val="110000"/>
+                <a:satMod val="105000"/>
+                <a:tint val="67000"/>
+              </a:schemeClr>
+            </a:gs>
+            <a:gs pos="50000">
+              <a:schemeClr val="phClr">
+                <a:lumMod val="105000"/>
+                <a:satMod val="103000"/>
+                <a:tint val="73000"/>
+              </a:schemeClr>
+            </a:gs>
+            <a:gs pos="100000">
+              <a:schemeClr val="phClr">
+                <a:lumMod val="105000"/>
+                <a:satMod val="109000"/>
+                <a:tint val="81000"/>
+              </a:schemeClr>
+            </a:gs>
+          </a:gsLst>
+          <a:lin ang="5400000" scaled="0"/>
+        </a:gradFill>
+        <a:gradFill rotWithShape="1">
+          <a:gsLst>
+            <a:gs pos="0">
+              <a:schemeClr val="phClr">
+                <a:satMod val="103000"/>
+                <a:lumMod val="102000"/>
+                <a:tint val="94000"/>
+              </a:schemeClr>
+            </a:gs>
+            <a:gs pos="50000">
+              <a:schemeClr val="phClr">
+                <a:satMod val="110000"/>
+                <a:lumMod val="100000"/>
+                <a:shade val="100000"/>
+              </a:schemeClr>
+            </a:gs>
+            <a:gs pos="100000">
+              <a:schemeClr val="phClr">
+                <a:lumMod val="99000"/>
+                <a:satMod val="120000"/>
+                <a:shade val="78000"/>
+              </a:schemeClr>
+            </a:gs>
+          </a:gsLst>
+          <a:lin ang="5400000" scaled="0"/>
+        </a:gradFill>
+      </a:fillStyleLst>
+      <a:lnStyleLst>
+        <a:ln w="6350" cap="flat" cmpd="sng" algn="ctr">
+          <a:solidFill>
+            <a:schemeClr val="phClr"/>
+          </a:solidFill>
+          <a:prstDash val="solid"/>
+          <a:miter lim="800000"/>
+        </a:ln>
+        <a:ln w="12700" cap="flat" cmpd="sng" algn="ctr">
+          <a:solidFill>
+            <a:schemeClr val="phClr"/>
+          </a:solidFill>
+          <a:prstDash val="solid"/>
+          <a:miter lim="800000"/>
+        </a:ln>
+        <a:ln w="19050" cap="flat" cmpd="sng" algn="ctr">
+          <a:solidFill>
+            <a:schemeClr val="phClr"/>
+          </a:solidFill>
+          <a:prstDash val="solid"/>
+          <a:miter lim="800000"/>
+        </a:ln>
+      </a:lnStyleLst>
+      <a:effectStyleLst>
+        <a:effectStyle>
+          <a:effectLst/>
+        </a:effectStyle>
+        <a:effectStyle>
+          <a:effectLst/>
+        </a:effectStyle>
+        <a:effectStyle>
+          <a:effectLst>
+            <a:outerShdw blurRad="57150" dist="19050" dir="5400000" algn="ctr" rotWithShape="0">
+              <a:srgbClr val="000000">
+                <a:alpha val="63000"/>
+              </a:srgbClr>
+            </a:outerShdw>
+          </a:effectLst>
+        </a:effectStyle>
+      </a:effectStyleLst>
+      <a:bgFillStyleLst>
+        <a:solidFill>
+          <a:schemeClr val="phClr"/>
+        </a:solidFill>
+        <a:solidFill>
+          <a:schemeClr val="phClr">
+            <a:tint val="95000"/>
+            <a:satMod val="170000"/>
+          </a:schemeClr>
+        </a:solidFill>
+        <a:gradFill rotWithShape="1">
+          <a:gsLst>
+            <a:gs pos="0">
+              <a:schemeClr val="phClr">
+                <a:tint val="93000"/>
+                <a:satMod val="150000"/>
+                <a:shade val="98000"/>
+                <a:lumMod val="102000"/>
+              </a:schemeClr>
+            </a:gs>
+            <a:gs pos="50000">
+              <a:schemeClr val="phClr">
+                <a:tint val="98000"/>
+                <a:satMod val="130000"/>
+                <a:shade val="90000"/>
+                <a:lumMod val="103000"/>
+              </a:schemeClr>
+            </a:gs>
+            <a:gs pos="100000">
+              <a:schemeClr val="phClr">
+                <a:shade val="63000"/>
+                <a:satMod val="120000"/>
+              </a:schemeClr>
+            </a:gs>
+          </a:gsLst>
+          <a:lin ang="5400000" scaled="0"/>
+        </a:gradFill>
+      </a:bgFillStyleLst>
+    </a:fmtScheme>
+  </a:themeElements>
+  <a:objectDefaults/>
+  <a:extraClrSchemeLst/>
+  <a:extLst>
+    <a:ext uri="{05A4C25C-085E-4340-85A3-A5531E510DB2}">
+      <thm15:themeFamily xmlns:thm15="http://schemas.microsoft.com/office/thememl/2012/main" name="Office Theme" id="{62F939B6-93AF-4DB8-9C6B-D6C7DFDC589F}" vid="{4A3C46E8-61CC-4603-A589-7422A47A8E4A}"/>
+    </a:ext>
+  </a:extLst>
+</a:theme>
 </file>